--- a/docs/Project-slide.pptx
+++ b/docs/Project-slide.pptx
@@ -169,7 +169,7 @@
     <p1510:client id="{2B6A9C6B-B7AB-4D4D-9380-D4D2DC1BCD73}" v="984" dt="2023-10-25T00:53:33.363"/>
     <p1510:client id="{35DC419A-49EF-4249-BC32-69015CAA2F78}" v="3" dt="2023-10-24T14:47:14.817"/>
     <p1510:client id="{92F61A9B-A665-4F6D-B26C-44DD7F879B50}" v="377" dt="2023-10-24T19:29:55.285"/>
-    <p1510:client id="{DC99DDE8-3E7A-3541-B7D3-28D40453F167}" v="1883" dt="2023-10-25T01:04:53.015"/>
+    <p1510:client id="{DC99DDE8-3E7A-3541-B7D3-28D40453F167}" v="1914" dt="2023-10-25T02:08:08.995"/>
   </p1510:revLst>
 </p1510:revInfo>
 </file>
@@ -3197,7 +3197,7 @@
 <dgm:dataModel xmlns:dgm="http://schemas.openxmlformats.org/drawingml/2006/diagram" xmlns:a="http://schemas.openxmlformats.org/drawingml/2006/main">
   <dgm:ptLst>
     <dgm:pt modelId="{953806B3-1A9B-418E-BB5D-04D221CFCEA7}" type="doc">
-      <dgm:prSet loTypeId="urn:microsoft.com/office/officeart/2009/3/layout/HorizontalOrganizationChart" loCatId="hierarchy" qsTypeId="urn:microsoft.com/office/officeart/2005/8/quickstyle/simple4" qsCatId="simple" csTypeId="urn:microsoft.com/office/officeart/2005/8/colors/colorful1" csCatId="colorful"/>
+      <dgm:prSet loTypeId="urn:microsoft.com/office/officeart/2009/3/layout/HorizontalOrganizationChart" loCatId="hierarchy" qsTypeId="urn:microsoft.com/office/officeart/2005/8/quickstyle/simple4" qsCatId="simple" csTypeId="urn:microsoft.com/office/officeart/2005/8/colors/colorful1" csCatId="colorful" phldr="1"/>
       <dgm:spPr/>
       <dgm:t>
         <a:bodyPr/>
@@ -3287,9 +3287,38 @@
         <a:lstStyle/>
         <a:p>
           <a:r>
-            <a:rPr lang="en-US"/>
-            <a:t>Routers: renterRouter.js, carRouter.js, ownerController.js, billController.js</a:t>
+            <a:rPr lang="en-US" dirty="0"/>
+            <a:t>Routers: </a:t>
           </a:r>
+          <a:r>
+            <a:rPr lang="en-US" dirty="0" err="1"/>
+            <a:t>renterRouter.js</a:t>
+          </a:r>
+          <a:r>
+            <a:rPr lang="en-US" dirty="0"/>
+            <a:t>, </a:t>
+          </a:r>
+          <a:r>
+            <a:rPr lang="en-US" dirty="0" err="1"/>
+            <a:t>carRouter.js</a:t>
+          </a:r>
+          <a:r>
+            <a:rPr lang="en-US" dirty="0"/>
+            <a:t>, </a:t>
+          </a:r>
+          <a:r>
+            <a:rPr lang="en-US" dirty="0" err="1"/>
+            <a:t>ownerRouter.js</a:t>
+          </a:r>
+          <a:r>
+            <a:rPr lang="en-US" dirty="0"/>
+            <a:t>, </a:t>
+          </a:r>
+          <a:r>
+            <a:rPr lang="en-US" dirty="0" err="1"/>
+            <a:t>billRouter.js</a:t>
+          </a:r>
+          <a:endParaRPr lang="en-US" dirty="0"/>
         </a:p>
       </dgm:t>
     </dgm:pt>
@@ -5112,9 +5141,38 @@
             <a:buNone/>
           </a:pPr>
           <a:r>
-            <a:rPr lang="en-US" sz="2100" kern="1200"/>
-            <a:t>Routers: renterRouter.js, carRouter.js, ownerController.js, billController.js</a:t>
+            <a:rPr lang="en-US" sz="2100" kern="1200" dirty="0"/>
+            <a:t>Routers: </a:t>
           </a:r>
+          <a:r>
+            <a:rPr lang="en-US" sz="2100" kern="1200" dirty="0" err="1"/>
+            <a:t>renterRouter.js</a:t>
+          </a:r>
+          <a:r>
+            <a:rPr lang="en-US" sz="2100" kern="1200" dirty="0"/>
+            <a:t>, </a:t>
+          </a:r>
+          <a:r>
+            <a:rPr lang="en-US" sz="2100" kern="1200" dirty="0" err="1"/>
+            <a:t>carRouter.js</a:t>
+          </a:r>
+          <a:r>
+            <a:rPr lang="en-US" sz="2100" kern="1200" dirty="0"/>
+            <a:t>, </a:t>
+          </a:r>
+          <a:r>
+            <a:rPr lang="en-US" sz="2100" kern="1200" dirty="0" err="1"/>
+            <a:t>ownerRouter.js</a:t>
+          </a:r>
+          <a:r>
+            <a:rPr lang="en-US" sz="2100" kern="1200" dirty="0"/>
+            <a:t>, </a:t>
+          </a:r>
+          <a:r>
+            <a:rPr lang="en-US" sz="2100" kern="1200" dirty="0" err="1"/>
+            <a:t>billRouter.js</a:t>
+          </a:r>
+          <a:endParaRPr lang="en-US" sz="2100" kern="1200" dirty="0"/>
         </a:p>
       </dsp:txBody>
       <dsp:txXfrm>
@@ -12625,7 +12683,7 @@
           <a:bodyPr/>
           <a:lstStyle/>
           <a:p>
-            <a:endParaRPr lang="en-US" dirty="0"/>
+            <a:endParaRPr lang="en-US"/>
           </a:p>
         </p:txBody>
       </p:sp>
@@ -12710,7 +12768,7 @@
           <a:bodyPr/>
           <a:lstStyle/>
           <a:p>
-            <a:endParaRPr lang="en-US" dirty="0"/>
+            <a:endParaRPr lang="en-US"/>
           </a:p>
         </p:txBody>
       </p:sp>
@@ -12795,7 +12853,7 @@
           <a:bodyPr/>
           <a:lstStyle/>
           <a:p>
-            <a:endParaRPr lang="en-US" dirty="0"/>
+            <a:endParaRPr lang="en-US"/>
           </a:p>
         </p:txBody>
       </p:sp>
@@ -13068,7 +13126,6 @@
               <a:rPr lang="en-US"/>
               <a:t>Click to edit Master title style</a:t>
             </a:r>
-            <a:endParaRPr lang="en-US" dirty="0"/>
           </a:p>
         </p:txBody>
       </p:sp>
@@ -13198,7 +13255,6 @@
               <a:rPr lang="en-US"/>
               <a:t>Click to edit Master subtitle style</a:t>
             </a:r>
-            <a:endParaRPr lang="en-US" dirty="0"/>
           </a:p>
         </p:txBody>
       </p:sp>
@@ -13221,7 +13277,7 @@
               <a:rPr lang="en-US" smtClean="0"/>
               <a:t>10/24/23</a:t>
             </a:fld>
-            <a:endParaRPr lang="en-US" dirty="0"/>
+            <a:endParaRPr lang="en-US"/>
           </a:p>
         </p:txBody>
       </p:sp>
@@ -13240,7 +13296,7 @@
           <a:bodyPr/>
           <a:lstStyle/>
           <a:p>
-            <a:endParaRPr lang="en-US" dirty="0"/>
+            <a:endParaRPr lang="en-US"/>
           </a:p>
         </p:txBody>
       </p:sp>
@@ -13263,7 +13319,7 @@
               <a:rPr lang="en-US" smtClean="0"/>
               <a:t>‹#›</a:t>
             </a:fld>
-            <a:endParaRPr lang="en-US" dirty="0"/>
+            <a:endParaRPr lang="en-US"/>
           </a:p>
         </p:txBody>
       </p:sp>
@@ -13327,7 +13383,6 @@
               <a:rPr lang="en-US"/>
               <a:t>Click to edit Master title style</a:t>
             </a:r>
-            <a:endParaRPr lang="en-US" dirty="0"/>
           </a:p>
         </p:txBody>
       </p:sp>
@@ -13422,7 +13477,6 @@
               <a:rPr lang="en-US"/>
               <a:t>Click icon to add picture</a:t>
             </a:r>
-            <a:endParaRPr lang="en-US" dirty="0"/>
           </a:p>
         </p:txBody>
       </p:sp>
@@ -13512,7 +13566,7 @@
               <a:rPr lang="en-US" smtClean="0"/>
               <a:t>10/24/23</a:t>
             </a:fld>
-            <a:endParaRPr lang="en-US" dirty="0"/>
+            <a:endParaRPr lang="en-US"/>
           </a:p>
         </p:txBody>
       </p:sp>
@@ -13531,7 +13585,7 @@
           <a:bodyPr/>
           <a:lstStyle/>
           <a:p>
-            <a:endParaRPr lang="en-US" dirty="0"/>
+            <a:endParaRPr lang="en-US"/>
           </a:p>
         </p:txBody>
       </p:sp>
@@ -13554,7 +13608,7 @@
               <a:rPr lang="en-US" smtClean="0"/>
               <a:t>‹#›</a:t>
             </a:fld>
-            <a:endParaRPr lang="en-US" dirty="0"/>
+            <a:endParaRPr lang="en-US"/>
           </a:p>
         </p:txBody>
       </p:sp>
@@ -13619,7 +13673,6 @@
               <a:rPr lang="en-US"/>
               <a:t>Click to edit Master title style</a:t>
             </a:r>
-            <a:endParaRPr lang="en-US" dirty="0"/>
           </a:p>
         </p:txBody>
       </p:sp>
@@ -13772,7 +13825,7 @@
               <a:rPr lang="en-US" smtClean="0"/>
               <a:t>10/24/23</a:t>
             </a:fld>
-            <a:endParaRPr lang="en-US" dirty="0"/>
+            <a:endParaRPr lang="en-US"/>
           </a:p>
         </p:txBody>
       </p:sp>
@@ -13791,7 +13844,7 @@
           <a:bodyPr/>
           <a:lstStyle/>
           <a:p>
-            <a:endParaRPr lang="en-US" dirty="0"/>
+            <a:endParaRPr lang="en-US"/>
           </a:p>
         </p:txBody>
       </p:sp>
@@ -13814,7 +13867,7 @@
               <a:rPr lang="en-US" smtClean="0"/>
               <a:t>‹#›</a:t>
             </a:fld>
-            <a:endParaRPr lang="en-US" dirty="0"/>
+            <a:endParaRPr lang="en-US"/>
           </a:p>
         </p:txBody>
       </p:sp>
@@ -13954,7 +14007,7 @@
           <a:p>
             <a:pPr lvl="0"/>
             <a:r>
-              <a:rPr lang="en-US" sz="7998" dirty="0">
+              <a:rPr lang="en-US" sz="7998">
                 <a:solidFill>
                   <a:schemeClr val="accent1"/>
                 </a:solidFill>
@@ -14069,7 +14122,7 @@
           <a:p>
             <a:pPr lvl="0" algn="r"/>
             <a:r>
-              <a:rPr lang="en-US" sz="7998" dirty="0">
+              <a:rPr lang="en-US" sz="7998">
                 <a:solidFill>
                   <a:schemeClr val="accent1"/>
                 </a:solidFill>
@@ -14113,7 +14166,6 @@
               <a:rPr lang="en-US"/>
               <a:t>Click to edit Master title style</a:t>
             </a:r>
-            <a:endParaRPr lang="en-US" dirty="0"/>
           </a:p>
         </p:txBody>
       </p:sp>
@@ -14242,7 +14294,7 @@
               <a:rPr lang="en-US" smtClean="0"/>
               <a:t>10/24/23</a:t>
             </a:fld>
-            <a:endParaRPr lang="en-US" dirty="0"/>
+            <a:endParaRPr lang="en-US"/>
           </a:p>
         </p:txBody>
       </p:sp>
@@ -14261,7 +14313,7 @@
           <a:bodyPr/>
           <a:lstStyle/>
           <a:p>
-            <a:endParaRPr lang="en-US" dirty="0"/>
+            <a:endParaRPr lang="en-US"/>
           </a:p>
         </p:txBody>
       </p:sp>
@@ -14284,7 +14336,7 @@
               <a:rPr lang="en-US" smtClean="0"/>
               <a:t>‹#›</a:t>
             </a:fld>
-            <a:endParaRPr lang="en-US" dirty="0"/>
+            <a:endParaRPr lang="en-US"/>
           </a:p>
         </p:txBody>
       </p:sp>
@@ -14349,7 +14401,6 @@
               <a:rPr lang="en-US"/>
               <a:t>Click to edit Master title style</a:t>
             </a:r>
-            <a:endParaRPr lang="en-US" dirty="0"/>
           </a:p>
         </p:txBody>
       </p:sp>
@@ -14423,7 +14474,7 @@
               <a:rPr lang="en-US" smtClean="0"/>
               <a:t>10/24/23</a:t>
             </a:fld>
-            <a:endParaRPr lang="en-US" dirty="0"/>
+            <a:endParaRPr lang="en-US"/>
           </a:p>
         </p:txBody>
       </p:sp>
@@ -14442,7 +14493,7 @@
           <a:bodyPr/>
           <a:lstStyle/>
           <a:p>
-            <a:endParaRPr lang="en-US" dirty="0"/>
+            <a:endParaRPr lang="en-US"/>
           </a:p>
         </p:txBody>
       </p:sp>
@@ -14465,7 +14516,7 @@
               <a:rPr lang="en-US" smtClean="0"/>
               <a:t>‹#›</a:t>
             </a:fld>
-            <a:endParaRPr lang="en-US" dirty="0"/>
+            <a:endParaRPr lang="en-US"/>
           </a:p>
         </p:txBody>
       </p:sp>
@@ -14605,7 +14656,7 @@
           <a:p>
             <a:pPr lvl="0"/>
             <a:r>
-              <a:rPr lang="en-US" sz="7998" dirty="0">
+              <a:rPr lang="en-US" sz="7998">
                 <a:solidFill>
                   <a:schemeClr val="accent1"/>
                 </a:solidFill>
@@ -14720,7 +14771,7 @@
           <a:p>
             <a:pPr lvl="0" algn="r"/>
             <a:r>
-              <a:rPr lang="en-US" sz="7998" dirty="0">
+              <a:rPr lang="en-US" sz="7998">
                 <a:solidFill>
                   <a:schemeClr val="accent1"/>
                 </a:solidFill>
@@ -14775,7 +14826,6 @@
               <a:rPr lang="en-US"/>
               <a:t>Click to edit Master title style</a:t>
             </a:r>
-            <a:endParaRPr lang="en-US" dirty="0"/>
           </a:p>
         </p:txBody>
       </p:sp>
@@ -15000,7 +15050,7 @@
               <a:rPr lang="en-US" smtClean="0"/>
               <a:t>10/24/23</a:t>
             </a:fld>
-            <a:endParaRPr lang="en-US" dirty="0"/>
+            <a:endParaRPr lang="en-US"/>
           </a:p>
         </p:txBody>
       </p:sp>
@@ -15019,7 +15069,7 @@
           <a:bodyPr/>
           <a:lstStyle/>
           <a:p>
-            <a:endParaRPr lang="en-US" dirty="0"/>
+            <a:endParaRPr lang="en-US"/>
           </a:p>
         </p:txBody>
       </p:sp>
@@ -15042,7 +15092,7 @@
               <a:rPr lang="en-US" smtClean="0"/>
               <a:t>‹#›</a:t>
             </a:fld>
-            <a:endParaRPr lang="en-US" dirty="0"/>
+            <a:endParaRPr lang="en-US"/>
           </a:p>
         </p:txBody>
       </p:sp>
@@ -15108,7 +15158,6 @@
               <a:rPr lang="en-US"/>
               <a:t>Click to edit Master title style</a:t>
             </a:r>
-            <a:endParaRPr lang="en-US" dirty="0"/>
           </a:p>
         </p:txBody>
       </p:sp>
@@ -15333,7 +15382,7 @@
               <a:rPr lang="en-US" smtClean="0"/>
               <a:t>10/24/23</a:t>
             </a:fld>
-            <a:endParaRPr lang="en-US" dirty="0"/>
+            <a:endParaRPr lang="en-US"/>
           </a:p>
         </p:txBody>
       </p:sp>
@@ -15352,7 +15401,7 @@
           <a:bodyPr/>
           <a:lstStyle/>
           <a:p>
-            <a:endParaRPr lang="en-US" dirty="0"/>
+            <a:endParaRPr lang="en-US"/>
           </a:p>
         </p:txBody>
       </p:sp>
@@ -15375,7 +15424,7 @@
               <a:rPr lang="en-US" smtClean="0"/>
               <a:t>‹#›</a:t>
             </a:fld>
-            <a:endParaRPr lang="en-US" dirty="0"/>
+            <a:endParaRPr lang="en-US"/>
           </a:p>
         </p:txBody>
       </p:sp>
@@ -15434,7 +15483,6 @@
               <a:rPr lang="en-US"/>
               <a:t>Click to edit Master title style</a:t>
             </a:r>
-            <a:endParaRPr lang="en-US" dirty="0"/>
           </a:p>
         </p:txBody>
       </p:sp>
@@ -15486,7 +15534,6 @@
               <a:rPr lang="en-US"/>
               <a:t>Fifth level</a:t>
             </a:r>
-            <a:endParaRPr lang="en-US" dirty="0"/>
           </a:p>
         </p:txBody>
       </p:sp>
@@ -15509,7 +15556,7 @@
               <a:rPr lang="en-US" smtClean="0"/>
               <a:t>10/24/23</a:t>
             </a:fld>
-            <a:endParaRPr lang="en-US" dirty="0"/>
+            <a:endParaRPr lang="en-US"/>
           </a:p>
         </p:txBody>
       </p:sp>
@@ -15528,7 +15575,7 @@
           <a:bodyPr/>
           <a:lstStyle/>
           <a:p>
-            <a:endParaRPr lang="en-US" dirty="0"/>
+            <a:endParaRPr lang="en-US"/>
           </a:p>
         </p:txBody>
       </p:sp>
@@ -15551,7 +15598,7 @@
               <a:rPr lang="en-US" smtClean="0"/>
               <a:t>‹#›</a:t>
             </a:fld>
-            <a:endParaRPr lang="en-US" dirty="0"/>
+            <a:endParaRPr lang="en-US"/>
           </a:p>
         </p:txBody>
       </p:sp>
@@ -15609,7 +15656,6 @@
               <a:rPr lang="en-US"/>
               <a:t>Click to edit Master title style</a:t>
             </a:r>
-            <a:endParaRPr lang="en-US" dirty="0"/>
           </a:p>
         </p:txBody>
       </p:sp>
@@ -15666,7 +15712,6 @@
               <a:rPr lang="en-US"/>
               <a:t>Fifth level</a:t>
             </a:r>
-            <a:endParaRPr lang="en-US" dirty="0"/>
           </a:p>
         </p:txBody>
       </p:sp>
@@ -15689,7 +15734,7 @@
               <a:rPr lang="en-US" smtClean="0"/>
               <a:t>10/24/23</a:t>
             </a:fld>
-            <a:endParaRPr lang="en-US" dirty="0"/>
+            <a:endParaRPr lang="en-US"/>
           </a:p>
         </p:txBody>
       </p:sp>
@@ -15708,7 +15753,7 @@
           <a:bodyPr/>
           <a:lstStyle/>
           <a:p>
-            <a:endParaRPr lang="en-US" dirty="0"/>
+            <a:endParaRPr lang="en-US"/>
           </a:p>
         </p:txBody>
       </p:sp>
@@ -15731,7 +15776,7 @@
               <a:rPr lang="en-US" smtClean="0"/>
               <a:t>‹#›</a:t>
             </a:fld>
-            <a:endParaRPr lang="en-US" dirty="0"/>
+            <a:endParaRPr lang="en-US"/>
           </a:p>
         </p:txBody>
       </p:sp>
@@ -15784,7 +15829,6 @@
               <a:rPr lang="en-US"/>
               <a:t>Click to edit Master title style</a:t>
             </a:r>
-            <a:endParaRPr lang="en-US" dirty="0"/>
           </a:p>
         </p:txBody>
       </p:sp>
@@ -15836,7 +15880,6 @@
               <a:rPr lang="en-US"/>
               <a:t>Fifth level</a:t>
             </a:r>
-            <a:endParaRPr lang="en-US" dirty="0"/>
           </a:p>
         </p:txBody>
       </p:sp>
@@ -15859,7 +15902,7 @@
               <a:rPr lang="en-US" smtClean="0"/>
               <a:t>10/24/23</a:t>
             </a:fld>
-            <a:endParaRPr lang="en-US" dirty="0"/>
+            <a:endParaRPr lang="en-US"/>
           </a:p>
         </p:txBody>
       </p:sp>
@@ -15878,7 +15921,7 @@
           <a:bodyPr/>
           <a:lstStyle/>
           <a:p>
-            <a:endParaRPr lang="en-US" dirty="0"/>
+            <a:endParaRPr lang="en-US"/>
           </a:p>
         </p:txBody>
       </p:sp>
@@ -15901,7 +15944,7 @@
               <a:rPr lang="en-US" smtClean="0"/>
               <a:t>‹#›</a:t>
             </a:fld>
-            <a:endParaRPr lang="en-US" dirty="0"/>
+            <a:endParaRPr lang="en-US"/>
           </a:p>
         </p:txBody>
       </p:sp>
@@ -15963,7 +16006,6 @@
               <a:rPr lang="en-US"/>
               <a:t>Click to edit Master title style</a:t>
             </a:r>
-            <a:endParaRPr lang="en-US" dirty="0"/>
           </a:p>
         </p:txBody>
       </p:sp>
@@ -16116,7 +16158,7 @@
               <a:rPr lang="en-US" smtClean="0"/>
               <a:t>10/24/23</a:t>
             </a:fld>
-            <a:endParaRPr lang="en-US" dirty="0"/>
+            <a:endParaRPr lang="en-US"/>
           </a:p>
         </p:txBody>
       </p:sp>
@@ -16135,7 +16177,7 @@
           <a:bodyPr/>
           <a:lstStyle/>
           <a:p>
-            <a:endParaRPr lang="en-US" dirty="0"/>
+            <a:endParaRPr lang="en-US"/>
           </a:p>
         </p:txBody>
       </p:sp>
@@ -16158,7 +16200,7 @@
               <a:rPr lang="en-US" smtClean="0"/>
               <a:t>‹#›</a:t>
             </a:fld>
-            <a:endParaRPr lang="en-US" dirty="0"/>
+            <a:endParaRPr lang="en-US"/>
           </a:p>
         </p:txBody>
       </p:sp>
@@ -16211,7 +16253,6 @@
               <a:rPr lang="en-US"/>
               <a:t>Click to edit Master title style</a:t>
             </a:r>
-            <a:endParaRPr lang="en-US" dirty="0"/>
           </a:p>
         </p:txBody>
       </p:sp>
@@ -16298,7 +16339,6 @@
               <a:rPr lang="en-US"/>
               <a:t>Fifth level</a:t>
             </a:r>
-            <a:endParaRPr lang="en-US" dirty="0"/>
           </a:p>
         </p:txBody>
       </p:sp>
@@ -16385,7 +16425,6 @@
               <a:rPr lang="en-US"/>
               <a:t>Fifth level</a:t>
             </a:r>
-            <a:endParaRPr lang="en-US" dirty="0"/>
           </a:p>
         </p:txBody>
       </p:sp>
@@ -16408,7 +16447,7 @@
               <a:rPr lang="en-US" smtClean="0"/>
               <a:t>10/24/23</a:t>
             </a:fld>
-            <a:endParaRPr lang="en-US" dirty="0"/>
+            <a:endParaRPr lang="en-US"/>
           </a:p>
         </p:txBody>
       </p:sp>
@@ -16427,7 +16466,7 @@
           <a:bodyPr/>
           <a:lstStyle/>
           <a:p>
-            <a:endParaRPr lang="en-US" dirty="0"/>
+            <a:endParaRPr lang="en-US"/>
           </a:p>
         </p:txBody>
       </p:sp>
@@ -16450,7 +16489,7 @@
               <a:rPr lang="en-US" smtClean="0"/>
               <a:t>‹#›</a:t>
             </a:fld>
-            <a:endParaRPr lang="en-US" dirty="0"/>
+            <a:endParaRPr lang="en-US"/>
           </a:p>
         </p:txBody>
       </p:sp>
@@ -16507,7 +16546,6 @@
               <a:rPr lang="en-US"/>
               <a:t>Click to edit Master title style</a:t>
             </a:r>
-            <a:endParaRPr lang="en-US" dirty="0"/>
           </a:p>
         </p:txBody>
       </p:sp>
@@ -16661,7 +16699,6 @@
               <a:rPr lang="en-US"/>
               <a:t>Fifth level</a:t>
             </a:r>
-            <a:endParaRPr lang="en-US" dirty="0"/>
           </a:p>
         </p:txBody>
       </p:sp>
@@ -16815,7 +16852,6 @@
               <a:rPr lang="en-US"/>
               <a:t>Fifth level</a:t>
             </a:r>
-            <a:endParaRPr lang="en-US" dirty="0"/>
           </a:p>
         </p:txBody>
       </p:sp>
@@ -16838,7 +16874,7 @@
               <a:rPr lang="en-US" smtClean="0"/>
               <a:t>10/24/23</a:t>
             </a:fld>
-            <a:endParaRPr lang="en-US" dirty="0"/>
+            <a:endParaRPr lang="en-US"/>
           </a:p>
         </p:txBody>
       </p:sp>
@@ -16857,7 +16893,7 @@
           <a:bodyPr/>
           <a:lstStyle/>
           <a:p>
-            <a:endParaRPr lang="en-US" dirty="0"/>
+            <a:endParaRPr lang="en-US"/>
           </a:p>
         </p:txBody>
       </p:sp>
@@ -16880,7 +16916,7 @@
               <a:rPr lang="en-US" smtClean="0"/>
               <a:t>‹#›</a:t>
             </a:fld>
-            <a:endParaRPr lang="en-US" dirty="0"/>
+            <a:endParaRPr lang="en-US"/>
           </a:p>
         </p:txBody>
       </p:sp>
@@ -16933,7 +16969,6 @@
               <a:rPr lang="en-US"/>
               <a:t>Click to edit Master title style</a:t>
             </a:r>
-            <a:endParaRPr lang="en-US" dirty="0"/>
           </a:p>
         </p:txBody>
       </p:sp>
@@ -16956,7 +16991,7 @@
               <a:rPr lang="en-US" smtClean="0"/>
               <a:t>10/24/23</a:t>
             </a:fld>
-            <a:endParaRPr lang="en-US" dirty="0"/>
+            <a:endParaRPr lang="en-US"/>
           </a:p>
         </p:txBody>
       </p:sp>
@@ -16975,7 +17010,7 @@
           <a:bodyPr/>
           <a:lstStyle/>
           <a:p>
-            <a:endParaRPr lang="en-US" dirty="0"/>
+            <a:endParaRPr lang="en-US"/>
           </a:p>
         </p:txBody>
       </p:sp>
@@ -16998,7 +17033,7 @@
               <a:rPr lang="en-US" smtClean="0"/>
               <a:t>‹#›</a:t>
             </a:fld>
-            <a:endParaRPr lang="en-US" dirty="0"/>
+            <a:endParaRPr lang="en-US"/>
           </a:p>
         </p:txBody>
       </p:sp>
@@ -17051,7 +17086,7 @@
               <a:rPr lang="en-US" smtClean="0"/>
               <a:t>10/24/23</a:t>
             </a:fld>
-            <a:endParaRPr lang="en-US" dirty="0"/>
+            <a:endParaRPr lang="en-US"/>
           </a:p>
         </p:txBody>
       </p:sp>
@@ -17070,7 +17105,7 @@
           <a:bodyPr/>
           <a:lstStyle/>
           <a:p>
-            <a:endParaRPr lang="en-US" dirty="0"/>
+            <a:endParaRPr lang="en-US"/>
           </a:p>
         </p:txBody>
       </p:sp>
@@ -17093,7 +17128,7 @@
               <a:rPr lang="en-US" smtClean="0"/>
               <a:t>‹#›</a:t>
             </a:fld>
-            <a:endParaRPr lang="en-US" dirty="0"/>
+            <a:endParaRPr lang="en-US"/>
           </a:p>
         </p:txBody>
       </p:sp>
@@ -17157,7 +17192,6 @@
               <a:rPr lang="en-US"/>
               <a:t>Click to edit Master title style</a:t>
             </a:r>
-            <a:endParaRPr lang="en-US" dirty="0"/>
           </a:p>
         </p:txBody>
       </p:sp>
@@ -17244,7 +17278,6 @@
               <a:rPr lang="en-US"/>
               <a:t>Fifth level</a:t>
             </a:r>
-            <a:endParaRPr lang="en-US" dirty="0"/>
           </a:p>
         </p:txBody>
       </p:sp>
@@ -17334,7 +17367,7 @@
               <a:rPr lang="en-US" smtClean="0"/>
               <a:t>10/24/23</a:t>
             </a:fld>
-            <a:endParaRPr lang="en-US" dirty="0"/>
+            <a:endParaRPr lang="en-US"/>
           </a:p>
         </p:txBody>
       </p:sp>
@@ -17353,7 +17386,7 @@
           <a:bodyPr/>
           <a:lstStyle/>
           <a:p>
-            <a:endParaRPr lang="en-US" dirty="0"/>
+            <a:endParaRPr lang="en-US"/>
           </a:p>
         </p:txBody>
       </p:sp>
@@ -17376,7 +17409,7 @@
               <a:rPr lang="en-US" smtClean="0"/>
               <a:t>‹#›</a:t>
             </a:fld>
-            <a:endParaRPr lang="en-US" dirty="0"/>
+            <a:endParaRPr lang="en-US"/>
           </a:p>
         </p:txBody>
       </p:sp>
@@ -17440,7 +17473,6 @@
               <a:rPr lang="en-US"/>
               <a:t>Click to edit Master title style</a:t>
             </a:r>
-            <a:endParaRPr lang="en-US" dirty="0"/>
           </a:p>
         </p:txBody>
       </p:sp>
@@ -17530,7 +17562,6 @@
               <a:rPr lang="en-US"/>
               <a:t>Click icon to add picture</a:t>
             </a:r>
-            <a:endParaRPr lang="en-US" dirty="0"/>
           </a:p>
         </p:txBody>
       </p:sp>
@@ -17625,7 +17656,7 @@
               <a:rPr lang="en-US" smtClean="0"/>
               <a:t>10/24/23</a:t>
             </a:fld>
-            <a:endParaRPr lang="en-US" dirty="0"/>
+            <a:endParaRPr lang="en-US"/>
           </a:p>
         </p:txBody>
       </p:sp>
@@ -17649,7 +17680,7 @@
           <a:bodyPr/>
           <a:lstStyle/>
           <a:p>
-            <a:endParaRPr lang="en-US" dirty="0"/>
+            <a:endParaRPr lang="en-US"/>
           </a:p>
         </p:txBody>
       </p:sp>
@@ -17677,7 +17708,7 @@
               <a:rPr lang="en-US" smtClean="0"/>
               <a:t>‹#›</a:t>
             </a:fld>
-            <a:endParaRPr lang="en-US" dirty="0"/>
+            <a:endParaRPr lang="en-US"/>
           </a:p>
         </p:txBody>
       </p:sp>
@@ -17745,7 +17776,6 @@
               <a:rPr lang="en-US"/>
               <a:t>Click to edit Master title style</a:t>
             </a:r>
-            <a:endParaRPr lang="en-US" dirty="0"/>
           </a:p>
         </p:txBody>
       </p:sp>
@@ -17807,7 +17837,6 @@
               <a:rPr lang="en-US"/>
               <a:t>Fifth level</a:t>
             </a:r>
-            <a:endParaRPr lang="en-US" dirty="0"/>
           </a:p>
         </p:txBody>
       </p:sp>
@@ -17856,7 +17885,7 @@
               <a:rPr lang="en-US" smtClean="0"/>
               <a:t>10/24/23</a:t>
             </a:fld>
-            <a:endParaRPr lang="en-US" dirty="0"/>
+            <a:endParaRPr lang="en-US"/>
           </a:p>
         </p:txBody>
       </p:sp>
@@ -17901,7 +17930,7 @@
             </a:lvl1pPr>
           </a:lstStyle>
           <a:p>
-            <a:endParaRPr lang="en-US" dirty="0"/>
+            <a:endParaRPr lang="en-US"/>
           </a:p>
         </p:txBody>
       </p:sp>
@@ -17950,7 +17979,7 @@
               <a:rPr lang="en-US" smtClean="0"/>
               <a:t>‹#›</a:t>
             </a:fld>
-            <a:endParaRPr lang="en-US" dirty="0"/>
+            <a:endParaRPr lang="en-US"/>
           </a:p>
         </p:txBody>
       </p:sp>
@@ -17981,13 +18010,13 @@
     <p:sldLayoutId id="2147483726" r:id="rId16"/>
     <p:sldLayoutId id="2147483727" r:id="rId17"/>
   </p:sldLayoutIdLst>
-  <mc:AlternateContent xmlns:mc="http://schemas.openxmlformats.org/markup-compatibility/2006" xmlns:p14="http://schemas.microsoft.com/office/powerpoint/2010/main">
-    <mc:Choice Requires="p14">
+  <mc:AlternateContent xmlns:mc="http://schemas.openxmlformats.org/markup-compatibility/2006">
+    <mc:Choice xmlns:p14="http://schemas.microsoft.com/office/powerpoint/2010/main" Requires="p14">
       <p:transition spd="med" p14:dur="700">
         <p:fade/>
       </p:transition>
     </mc:Choice>
-    <mc:Fallback xmlns="">
+    <mc:Fallback>
       <p:transition spd="med">
         <p:fade/>
       </p:transition>
@@ -18682,7 +18711,7 @@
           <a:lstStyle/>
           <a:p>
             <a:r>
-              <a:rPr lang="en-US" dirty="0"/>
+              <a:rPr lang="en-US"/>
               <a:t>Project :Prius Car 			Sharing LLC</a:t>
             </a:r>
           </a:p>
@@ -18711,31 +18740,31 @@
           <a:lstStyle/>
           <a:p>
             <a:r>
-              <a:rPr lang="en-US" dirty="0"/>
+              <a:rPr lang="en-US"/>
               <a:t>Prius Team:</a:t>
             </a:r>
           </a:p>
           <a:p>
             <a:r>
-              <a:rPr lang="en-US" dirty="0" err="1"/>
+              <a:rPr lang="en-US" err="1"/>
               <a:t>Dinh</a:t>
             </a:r>
             <a:r>
-              <a:rPr lang="en-US" dirty="0"/>
+              <a:rPr lang="en-US"/>
               <a:t> Thang Nguyen - 616940</a:t>
             </a:r>
           </a:p>
           <a:p>
             <a:r>
-              <a:rPr lang="en-US" dirty="0"/>
+              <a:rPr lang="en-US"/>
               <a:t>Giao </a:t>
             </a:r>
             <a:r>
-              <a:rPr lang="en-US" dirty="0" err="1"/>
+              <a:rPr lang="en-US" err="1"/>
               <a:t>Hieu</a:t>
             </a:r>
             <a:r>
-              <a:rPr lang="en-US" dirty="0"/>
+              <a:rPr lang="en-US"/>
               <a:t> Tran - 616944</a:t>
             </a:r>
           </a:p>
@@ -18871,7 +18900,7 @@
           <a:lstStyle/>
           <a:p>
             <a:r>
-              <a:rPr lang="en-US" dirty="0"/>
+              <a:rPr lang="en-US"/>
               <a:t>API listing</a:t>
             </a:r>
           </a:p>
@@ -18906,13 +18935,13 @@
           <a:lstStyle/>
           <a:p>
             <a:r>
-              <a:rPr lang="en-US" dirty="0"/>
+              <a:rPr lang="en-US"/>
               <a:t>Billing Router</a:t>
             </a:r>
           </a:p>
           <a:p>
             <a:r>
-              <a:rPr lang="en-US" dirty="0">
+              <a:rPr lang="en-US">
                 <a:solidFill>
                   <a:srgbClr val="FFFF00"/>
                 </a:solidFill>
@@ -18921,7 +18950,7 @@
               <a:t>/</a:t>
             </a:r>
             <a:r>
-              <a:rPr lang="en-US" dirty="0">
+              <a:rPr lang="en-US">
                 <a:solidFill>
                   <a:srgbClr val="FFFF00"/>
                 </a:solidFill>
@@ -18929,7 +18958,7 @@
               <a:t>billings</a:t>
             </a:r>
             <a:r>
-              <a:rPr lang="en-US" dirty="0">
+              <a:rPr lang="en-US">
                 <a:solidFill>
                   <a:srgbClr val="FFFF00"/>
                 </a:solidFill>
@@ -18938,7 +18967,7 @@
               <a:t>/</a:t>
             </a:r>
             <a:r>
-              <a:rPr lang="en-US" dirty="0" err="1">
+              <a:rPr lang="en-US" err="1">
                 <a:solidFill>
                   <a:srgbClr val="FFFF00"/>
                 </a:solidFill>
@@ -18947,7 +18976,7 @@
               <a:t>api</a:t>
             </a:r>
             <a:r>
-              <a:rPr lang="en-US" dirty="0">
+              <a:rPr lang="en-US">
                 <a:solidFill>
                   <a:srgbClr val="FFFF00"/>
                 </a:solidFill>
@@ -18956,7 +18985,7 @@
               <a:t>/:id </a:t>
             </a:r>
             <a:r>
-              <a:rPr lang="en-US" dirty="0">
+              <a:rPr lang="en-US">
                 <a:solidFill>
                   <a:srgbClr val="00B0F0"/>
                 </a:solidFill>
@@ -18964,7 +18993,7 @@
               <a:t>GET </a:t>
             </a:r>
             <a:r>
-              <a:rPr lang="en-US" dirty="0">
+              <a:rPr lang="en-US">
                 <a:latin typeface="Century Gothic" panose="020B0502020202020204" pitchFamily="34" charset="0"/>
               </a:rPr>
               <a:t>a bill based on id</a:t>
@@ -18972,7 +19001,7 @@
           </a:p>
           <a:p>
             <a:r>
-              <a:rPr lang="en-US" dirty="0">
+              <a:rPr lang="en-US">
                 <a:solidFill>
                   <a:srgbClr val="FFFF00"/>
                 </a:solidFill>
@@ -18981,7 +19010,7 @@
               <a:t>/billings/</a:t>
             </a:r>
             <a:r>
-              <a:rPr lang="en-US" b="0" dirty="0" err="1">
+              <a:rPr lang="en-US" b="0" err="1">
                 <a:solidFill>
                   <a:srgbClr val="FFFF00"/>
                 </a:solidFill>
@@ -18991,7 +19020,7 @@
               <a:t>api</a:t>
             </a:r>
             <a:r>
-              <a:rPr lang="en-US" b="0" dirty="0">
+              <a:rPr lang="en-US" b="0">
                 <a:solidFill>
                   <a:srgbClr val="FFFF00"/>
                 </a:solidFill>
@@ -19001,7 +19030,7 @@
               <a:t>/track-order/:email/:order</a:t>
             </a:r>
             <a:r>
-              <a:rPr lang="en-US" dirty="0">
+              <a:rPr lang="en-US">
                 <a:solidFill>
                   <a:srgbClr val="FFFF00"/>
                 </a:solidFill>
@@ -19010,7 +19039,7 @@
               <a:t> </a:t>
             </a:r>
             <a:r>
-              <a:rPr lang="en-US" dirty="0">
+              <a:rPr lang="en-US">
                 <a:solidFill>
                   <a:srgbClr val="00B0F0"/>
                 </a:solidFill>
@@ -19019,7 +19048,7 @@
               <a:t>GET </a:t>
             </a:r>
             <a:r>
-              <a:rPr lang="en-US" dirty="0">
+              <a:rPr lang="en-US">
                 <a:latin typeface="Century Gothic" panose="020B0502020202020204" pitchFamily="34" charset="0"/>
               </a:rPr>
               <a:t>bill by order number and email</a:t>
@@ -19027,7 +19056,7 @@
           </a:p>
           <a:p>
             <a:r>
-              <a:rPr lang="en-US" dirty="0">
+              <a:rPr lang="en-US">
                 <a:solidFill>
                   <a:srgbClr val="FFFF00"/>
                 </a:solidFill>
@@ -19036,7 +19065,7 @@
               <a:t>/billings/</a:t>
             </a:r>
             <a:r>
-              <a:rPr lang="en-US" b="0" dirty="0" err="1">
+              <a:rPr lang="en-US" b="0" err="1">
                 <a:solidFill>
                   <a:srgbClr val="FFFF00"/>
                 </a:solidFill>
@@ -19046,7 +19075,7 @@
               <a:t>api</a:t>
             </a:r>
             <a:r>
-              <a:rPr lang="en-US" b="0" dirty="0">
+              <a:rPr lang="en-US" b="0">
                 <a:solidFill>
                   <a:srgbClr val="FFFF00"/>
                 </a:solidFill>
@@ -19056,7 +19085,7 @@
               <a:t>/track-email/:email/:license</a:t>
             </a:r>
             <a:r>
-              <a:rPr lang="en-US" dirty="0">
+              <a:rPr lang="en-US">
                 <a:solidFill>
                   <a:srgbClr val="FFFF00"/>
                 </a:solidFill>
@@ -19065,7 +19094,7 @@
               <a:t> </a:t>
             </a:r>
             <a:r>
-              <a:rPr lang="en-US" dirty="0">
+              <a:rPr lang="en-US">
                 <a:solidFill>
                   <a:srgbClr val="00B0F0"/>
                 </a:solidFill>
@@ -19074,7 +19103,7 @@
               <a:t>GET </a:t>
             </a:r>
             <a:r>
-              <a:rPr lang="en-US" dirty="0">
+              <a:rPr lang="en-US">
                 <a:latin typeface="Century Gothic" panose="020B0502020202020204" pitchFamily="34" charset="0"/>
               </a:rPr>
               <a:t>all bills of this renter with license and email</a:t>
@@ -19082,7 +19111,7 @@
           </a:p>
           <a:p>
             <a:r>
-              <a:rPr lang="en-US" dirty="0">
+              <a:rPr lang="en-US">
                 <a:solidFill>
                   <a:srgbClr val="FFFF00"/>
                 </a:solidFill>
@@ -19091,7 +19120,7 @@
               <a:t>/billings/</a:t>
             </a:r>
             <a:r>
-              <a:rPr lang="en-US" b="0" dirty="0" err="1">
+              <a:rPr lang="en-US" b="0" err="1">
                 <a:solidFill>
                   <a:srgbClr val="FFFF00"/>
                 </a:solidFill>
@@ -19101,7 +19130,7 @@
               <a:t>api</a:t>
             </a:r>
             <a:r>
-              <a:rPr lang="en-US" b="0" dirty="0">
+              <a:rPr lang="en-US" b="0">
                 <a:solidFill>
                   <a:srgbClr val="FFFF00"/>
                 </a:solidFill>
@@ -19111,7 +19140,7 @@
               <a:t>/:id/:</a:t>
             </a:r>
             <a:r>
-              <a:rPr lang="en-US" b="0" dirty="0" err="1">
+              <a:rPr lang="en-US" b="0" err="1">
                 <a:solidFill>
                   <a:srgbClr val="FFFF00"/>
                 </a:solidFill>
@@ -19121,7 +19150,7 @@
               <a:t>orderId</a:t>
             </a:r>
             <a:r>
-              <a:rPr lang="en-US" b="0" dirty="0">
+              <a:rPr lang="en-US" b="0">
                 <a:solidFill>
                   <a:srgbClr val="FFFF00"/>
                 </a:solidFill>
@@ -19131,7 +19160,7 @@
               <a:t>/</a:t>
             </a:r>
             <a:r>
-              <a:rPr lang="en-US" dirty="0">
+              <a:rPr lang="en-US">
                 <a:solidFill>
                   <a:srgbClr val="FFFF00"/>
                 </a:solidFill>
@@ -19140,7 +19169,7 @@
               <a:t> </a:t>
             </a:r>
             <a:r>
-              <a:rPr lang="en-US" dirty="0">
+              <a:rPr lang="en-US">
                 <a:solidFill>
                   <a:srgbClr val="00B0F0"/>
                 </a:solidFill>
@@ -19149,20 +19178,20 @@
               <a:t>GET </a:t>
             </a:r>
             <a:r>
-              <a:rPr lang="en-US" dirty="0">
+              <a:rPr lang="en-US">
                 <a:latin typeface="Century Gothic" panose="020B0502020202020204" pitchFamily="34" charset="0"/>
               </a:rPr>
               <a:t>bill by renter id order id</a:t>
             </a:r>
           </a:p>
           <a:p>
-            <a:endParaRPr lang="en-US" dirty="0">
+            <a:endParaRPr lang="en-US">
               <a:latin typeface="Century Gothic" panose="020B0502020202020204" pitchFamily="34" charset="0"/>
             </a:endParaRPr>
           </a:p>
           <a:p>
             <a:r>
-              <a:rPr lang="en-US" dirty="0">
+              <a:rPr lang="en-US">
                 <a:solidFill>
                   <a:srgbClr val="FFFF00"/>
                 </a:solidFill>
@@ -19170,7 +19199,7 @@
               <a:t>/billings</a:t>
             </a:r>
             <a:r>
-              <a:rPr lang="en-US" dirty="0">
+              <a:rPr lang="en-US">
                 <a:solidFill>
                   <a:srgbClr val="FFFF00"/>
                 </a:solidFill>
@@ -19179,7 +19208,7 @@
               <a:t>/</a:t>
             </a:r>
             <a:r>
-              <a:rPr lang="en-US" dirty="0" err="1">
+              <a:rPr lang="en-US" err="1">
                 <a:solidFill>
                   <a:srgbClr val="FFFF00"/>
                 </a:solidFill>
@@ -19188,7 +19217,7 @@
               <a:t>api</a:t>
             </a:r>
             <a:r>
-              <a:rPr lang="en-US" dirty="0">
+              <a:rPr lang="en-US">
                 <a:solidFill>
                   <a:srgbClr val="FFFF00"/>
                 </a:solidFill>
@@ -19197,13 +19226,13 @@
               <a:t>/pay</a:t>
             </a:r>
             <a:r>
-              <a:rPr lang="en-US" dirty="0">
+              <a:rPr lang="en-US">
                 <a:latin typeface="Century Gothic" panose="020B0502020202020204" pitchFamily="34" charset="0"/>
               </a:rPr>
               <a:t> </a:t>
             </a:r>
             <a:r>
-              <a:rPr lang="en-US" dirty="0">
+              <a:rPr lang="en-US">
                 <a:solidFill>
                   <a:srgbClr val="00B0F0"/>
                 </a:solidFill>
@@ -19211,7 +19240,7 @@
               <a:t>POST</a:t>
             </a:r>
             <a:r>
-              <a:rPr lang="en-US" dirty="0">
+              <a:rPr lang="en-US">
                 <a:latin typeface="Century Gothic" panose="020B0502020202020204" pitchFamily="34" charset="0"/>
               </a:rPr>
               <a:t> pay for current bill and release the car afterward</a:t>
@@ -19219,7 +19248,7 @@
           </a:p>
           <a:p>
             <a:r>
-              <a:rPr lang="en-US" dirty="0">
+              <a:rPr lang="en-US">
                 <a:solidFill>
                   <a:srgbClr val="FFFF00"/>
                 </a:solidFill>
@@ -19228,7 +19257,7 @@
               <a:t>/</a:t>
             </a:r>
             <a:r>
-              <a:rPr lang="en-US" dirty="0">
+              <a:rPr lang="en-US">
                 <a:solidFill>
                   <a:srgbClr val="FFFF00"/>
                 </a:solidFill>
@@ -19236,7 +19265,7 @@
               <a:t>billings</a:t>
             </a:r>
             <a:r>
-              <a:rPr lang="en-US" dirty="0">
+              <a:rPr lang="en-US">
                 <a:solidFill>
                   <a:srgbClr val="FFFF00"/>
                 </a:solidFill>
@@ -19245,7 +19274,7 @@
               <a:t>/</a:t>
             </a:r>
             <a:r>
-              <a:rPr lang="en-US" dirty="0" err="1">
+              <a:rPr lang="en-US" err="1">
                 <a:solidFill>
                   <a:srgbClr val="FFFF00"/>
                 </a:solidFill>
@@ -19254,7 +19283,7 @@
               <a:t>api</a:t>
             </a:r>
             <a:r>
-              <a:rPr lang="en-US" dirty="0">
+              <a:rPr lang="en-US">
                 <a:solidFill>
                   <a:srgbClr val="FFFF00"/>
                 </a:solidFill>
@@ -19263,13 +19292,13 @@
               <a:t>/cancel</a:t>
             </a:r>
             <a:r>
-              <a:rPr lang="en-US" dirty="0">
+              <a:rPr lang="en-US">
                 <a:latin typeface="Century Gothic" panose="020B0502020202020204" pitchFamily="34" charset="0"/>
               </a:rPr>
               <a:t> </a:t>
             </a:r>
             <a:r>
-              <a:rPr lang="en-US" dirty="0">
+              <a:rPr lang="en-US">
                 <a:solidFill>
                   <a:srgbClr val="00B0F0"/>
                 </a:solidFill>
@@ -19277,20 +19306,20 @@
               <a:t>POST </a:t>
             </a:r>
             <a:r>
-              <a:rPr lang="en-US" dirty="0">
+              <a:rPr lang="en-US">
                 <a:latin typeface="Century Gothic" panose="020B0502020202020204" pitchFamily="34" charset="0"/>
               </a:rPr>
               <a:t>cancel the current bill and release the car as well</a:t>
             </a:r>
           </a:p>
           <a:p>
-            <a:endParaRPr lang="en-US" dirty="0">
+            <a:endParaRPr lang="en-US">
               <a:latin typeface="Century Gothic" panose="020B0502020202020204" pitchFamily="34" charset="0"/>
             </a:endParaRPr>
           </a:p>
           <a:p>
             <a:r>
-              <a:rPr lang="en-US" dirty="0">
+              <a:rPr lang="en-US">
                 <a:solidFill>
                   <a:srgbClr val="FFFF00"/>
                 </a:solidFill>
@@ -19299,7 +19328,7 @@
               <a:t>/billings/track-order </a:t>
             </a:r>
             <a:r>
-              <a:rPr lang="en-US" dirty="0">
+              <a:rPr lang="en-US">
                 <a:solidFill>
                   <a:srgbClr val="00B0F0"/>
                 </a:solidFill>
@@ -19307,11 +19336,11 @@
               <a:t>GET </a:t>
             </a:r>
             <a:r>
-              <a:rPr lang="en-US" dirty="0"/>
+              <a:rPr lang="en-US"/>
               <a:t>get</a:t>
             </a:r>
             <a:r>
-              <a:rPr lang="en-US" dirty="0">
+              <a:rPr lang="en-US">
                 <a:latin typeface="Century Gothic" panose="020B0502020202020204" pitchFamily="34" charset="0"/>
               </a:rPr>
               <a:t> html file for track order</a:t>
@@ -19319,7 +19348,7 @@
           </a:p>
           <a:p>
             <a:r>
-              <a:rPr lang="en-US" dirty="0">
+              <a:rPr lang="en-US">
                 <a:solidFill>
                   <a:srgbClr val="FFFF00"/>
                 </a:solidFill>
@@ -19328,7 +19357,7 @@
               <a:t>/billings/track-email </a:t>
             </a:r>
             <a:r>
-              <a:rPr lang="en-US" dirty="0">
+              <a:rPr lang="en-US">
                 <a:solidFill>
                   <a:srgbClr val="00B0F0"/>
                 </a:solidFill>
@@ -19336,23 +19365,23 @@
               <a:t>GET </a:t>
             </a:r>
             <a:r>
-              <a:rPr lang="en-US" dirty="0"/>
+              <a:rPr lang="en-US"/>
               <a:t>get</a:t>
             </a:r>
             <a:r>
-              <a:rPr lang="en-US" dirty="0">
+              <a:rPr lang="en-US">
                 <a:latin typeface="Century Gothic" panose="020B0502020202020204" pitchFamily="34" charset="0"/>
               </a:rPr>
               <a:t> html file for track email</a:t>
             </a:r>
           </a:p>
           <a:p>
-            <a:endParaRPr lang="en-US" dirty="0">
+            <a:endParaRPr lang="en-US">
               <a:latin typeface="Century Gothic" panose="020B0502020202020204" pitchFamily="34" charset="0"/>
             </a:endParaRPr>
           </a:p>
           <a:p>
-            <a:endParaRPr lang="en-US" dirty="0"/>
+            <a:endParaRPr lang="en-US"/>
           </a:p>
         </p:txBody>
       </p:sp>
@@ -19448,14 +19477,14 @@
           <a:lstStyle/>
           <a:p>
             <a:r>
-              <a:rPr lang="en-US" dirty="0"/>
+              <a:rPr lang="en-US"/>
               <a:t>Owner Router</a:t>
             </a:r>
             <a:br>
-              <a:rPr lang="en-US" dirty="0"/>
+              <a:rPr lang="en-US"/>
             </a:br>
             <a:r>
-              <a:rPr lang="en-US" dirty="0">
+              <a:rPr lang="en-US">
                 <a:solidFill>
                   <a:srgbClr val="FFFF00"/>
                 </a:solidFill>
@@ -19463,7 +19492,7 @@
               <a:t>/owners/</a:t>
             </a:r>
             <a:r>
-              <a:rPr lang="en-US" dirty="0" err="1">
+              <a:rPr lang="en-US" err="1">
                 <a:solidFill>
                   <a:srgbClr val="FFFF00"/>
                 </a:solidFill>
@@ -19471,7 +19500,7 @@
               <a:t>api</a:t>
             </a:r>
             <a:r>
-              <a:rPr lang="en-US" dirty="0">
+              <a:rPr lang="en-US">
                 <a:solidFill>
                   <a:srgbClr val="FFFF00"/>
                 </a:solidFill>
@@ -19479,11 +19508,11 @@
               <a:t>/login</a:t>
             </a:r>
             <a:r>
-              <a:rPr lang="en-US" dirty="0"/>
+              <a:rPr lang="en-US"/>
               <a:t> </a:t>
             </a:r>
             <a:r>
-              <a:rPr lang="en-US" dirty="0">
+              <a:rPr lang="en-US">
                 <a:solidFill>
                   <a:srgbClr val="92D050"/>
                 </a:solidFill>
@@ -19491,13 +19520,13 @@
               <a:t>POST</a:t>
             </a:r>
             <a:r>
-              <a:rPr lang="en-US" dirty="0"/>
+              <a:rPr lang="en-US"/>
               <a:t> login for owner</a:t>
             </a:r>
           </a:p>
           <a:p>
             <a:r>
-              <a:rPr lang="en-US" dirty="0">
+              <a:rPr lang="en-US">
                 <a:solidFill>
                   <a:srgbClr val="FFFF00"/>
                 </a:solidFill>
@@ -19505,7 +19534,7 @@
               <a:t>/owners/</a:t>
             </a:r>
             <a:r>
-              <a:rPr lang="en-US" dirty="0" err="1">
+              <a:rPr lang="en-US" err="1">
                 <a:solidFill>
                   <a:srgbClr val="FFFF00"/>
                 </a:solidFill>
@@ -19513,7 +19542,7 @@
               <a:t>api</a:t>
             </a:r>
             <a:r>
-              <a:rPr lang="en-US" dirty="0">
+              <a:rPr lang="en-US">
                 <a:solidFill>
                   <a:srgbClr val="FFFF00"/>
                 </a:solidFill>
@@ -19521,11 +19550,11 @@
               <a:t>/:id</a:t>
             </a:r>
             <a:r>
-              <a:rPr lang="en-US" dirty="0"/>
+              <a:rPr lang="en-US"/>
               <a:t> </a:t>
             </a:r>
             <a:r>
-              <a:rPr lang="en-US" dirty="0">
+              <a:rPr lang="en-US">
                 <a:solidFill>
                   <a:srgbClr val="00B0F0"/>
                 </a:solidFill>
@@ -19533,7 +19562,7 @@
               <a:t>GET</a:t>
             </a:r>
             <a:r>
-              <a:rPr lang="en-US" dirty="0"/>
+              <a:rPr lang="en-US"/>
               <a:t> </a:t>
             </a:r>
             <a:r>
@@ -19541,13 +19570,13 @@
               <a:t>get</a:t>
             </a:r>
             <a:r>
-              <a:rPr lang="en-US" dirty="0"/>
+              <a:rPr lang="en-US"/>
               <a:t> owner by Id</a:t>
             </a:r>
           </a:p>
           <a:p>
             <a:r>
-              <a:rPr lang="en-US" dirty="0">
+              <a:rPr lang="en-US">
                 <a:solidFill>
                   <a:srgbClr val="FFFF00"/>
                 </a:solidFill>
@@ -19555,7 +19584,7 @@
               <a:t>/owners/</a:t>
             </a:r>
             <a:r>
-              <a:rPr lang="en-US" dirty="0" err="1">
+              <a:rPr lang="en-US" err="1">
                 <a:solidFill>
                   <a:srgbClr val="FFFF00"/>
                 </a:solidFill>
@@ -19563,7 +19592,7 @@
               <a:t>api</a:t>
             </a:r>
             <a:r>
-              <a:rPr lang="en-US" dirty="0">
+              <a:rPr lang="en-US">
                 <a:solidFill>
                   <a:srgbClr val="FFFF00"/>
                 </a:solidFill>
@@ -19571,11 +19600,11 @@
               <a:t>/:od</a:t>
             </a:r>
             <a:r>
-              <a:rPr lang="en-US" dirty="0"/>
+              <a:rPr lang="en-US"/>
               <a:t> </a:t>
             </a:r>
             <a:r>
-              <a:rPr lang="en-US" dirty="0">
+              <a:rPr lang="en-US">
                 <a:solidFill>
                   <a:srgbClr val="92D050"/>
                 </a:solidFill>
@@ -19583,13 +19612,13 @@
               <a:t>POST</a:t>
             </a:r>
             <a:r>
-              <a:rPr lang="en-US" dirty="0"/>
+              <a:rPr lang="en-US"/>
               <a:t> create owner</a:t>
             </a:r>
           </a:p>
           <a:p>
             <a:r>
-              <a:rPr lang="en-US" dirty="0">
+              <a:rPr lang="en-US">
                 <a:solidFill>
                   <a:srgbClr val="FFFF00"/>
                 </a:solidFill>
@@ -19597,7 +19626,7 @@
               <a:t>/owners/</a:t>
             </a:r>
             <a:r>
-              <a:rPr lang="en-US" dirty="0" err="1">
+              <a:rPr lang="en-US" err="1">
                 <a:solidFill>
                   <a:srgbClr val="FFFF00"/>
                 </a:solidFill>
@@ -19605,7 +19634,7 @@
               <a:t>api</a:t>
             </a:r>
             <a:r>
-              <a:rPr lang="en-US" dirty="0">
+              <a:rPr lang="en-US">
                 <a:solidFill>
                   <a:srgbClr val="FFFF00"/>
                 </a:solidFill>
@@ -19613,11 +19642,11 @@
               <a:t>/:id</a:t>
             </a:r>
             <a:r>
-              <a:rPr lang="en-US" dirty="0"/>
+              <a:rPr lang="en-US"/>
               <a:t> </a:t>
             </a:r>
             <a:r>
-              <a:rPr lang="en-US" dirty="0">
+              <a:rPr lang="en-US">
                 <a:solidFill>
                   <a:srgbClr val="FFC000"/>
                 </a:solidFill>
@@ -19625,13 +19654,13 @@
               <a:t>PUT</a:t>
             </a:r>
             <a:r>
-              <a:rPr lang="en-US" dirty="0"/>
+              <a:rPr lang="en-US"/>
               <a:t> update owner by Id</a:t>
             </a:r>
           </a:p>
           <a:p>
             <a:r>
-              <a:rPr lang="en-US" dirty="0">
+              <a:rPr lang="en-US">
                 <a:solidFill>
                   <a:srgbClr val="FFFF00"/>
                 </a:solidFill>
@@ -19639,7 +19668,7 @@
               <a:t>/owners/</a:t>
             </a:r>
             <a:r>
-              <a:rPr lang="en-US" dirty="0" err="1">
+              <a:rPr lang="en-US" err="1">
                 <a:solidFill>
                   <a:srgbClr val="FFFF00"/>
                 </a:solidFill>
@@ -19647,7 +19676,7 @@
               <a:t>api</a:t>
             </a:r>
             <a:r>
-              <a:rPr lang="en-US" dirty="0">
+              <a:rPr lang="en-US">
                 <a:solidFill>
                   <a:srgbClr val="FFFF00"/>
                 </a:solidFill>
@@ -19655,11 +19684,11 @@
               <a:t>/:id</a:t>
             </a:r>
             <a:r>
-              <a:rPr lang="en-US" dirty="0"/>
+              <a:rPr lang="en-US"/>
               <a:t> </a:t>
             </a:r>
             <a:r>
-              <a:rPr lang="en-US" dirty="0">
+              <a:rPr lang="en-US">
                 <a:solidFill>
                   <a:srgbClr val="FF0000"/>
                 </a:solidFill>
@@ -19667,7 +19696,7 @@
               <a:t>DELETE</a:t>
             </a:r>
             <a:r>
-              <a:rPr lang="en-US" dirty="0"/>
+              <a:rPr lang="en-US"/>
               <a:t> </a:t>
             </a:r>
             <a:r>
@@ -19675,13 +19704,13 @@
               <a:t>delete</a:t>
             </a:r>
             <a:r>
-              <a:rPr lang="en-US" dirty="0"/>
+              <a:rPr lang="en-US"/>
               <a:t> owner by Id</a:t>
             </a:r>
           </a:p>
           <a:p>
             <a:r>
-              <a:rPr lang="en-US" dirty="0">
+              <a:rPr lang="en-US">
                 <a:solidFill>
                   <a:srgbClr val="FFFF00"/>
                 </a:solidFill>
@@ -19689,7 +19718,7 @@
               <a:t>/owners/</a:t>
             </a:r>
             <a:r>
-              <a:rPr lang="en-US" dirty="0" err="1">
+              <a:rPr lang="en-US" err="1">
                 <a:solidFill>
                   <a:srgbClr val="FFFF00"/>
                 </a:solidFill>
@@ -19697,7 +19726,7 @@
               <a:t>api</a:t>
             </a:r>
             <a:r>
-              <a:rPr lang="en-US" dirty="0">
+              <a:rPr lang="en-US">
                 <a:solidFill>
                   <a:srgbClr val="FFFF00"/>
                 </a:solidFill>
@@ -19705,11 +19734,11 @@
               <a:t>/:id/cars</a:t>
             </a:r>
             <a:r>
-              <a:rPr lang="en-US" dirty="0"/>
+              <a:rPr lang="en-US"/>
               <a:t> </a:t>
             </a:r>
             <a:r>
-              <a:rPr lang="en-US" dirty="0">
+              <a:rPr lang="en-US">
                 <a:solidFill>
                   <a:srgbClr val="00B0F0"/>
                 </a:solidFill>
@@ -19717,7 +19746,7 @@
               <a:t>GET</a:t>
             </a:r>
             <a:r>
-              <a:rPr lang="en-US" dirty="0"/>
+              <a:rPr lang="en-US"/>
               <a:t> </a:t>
             </a:r>
             <a:r>
@@ -19725,13 +19754,13 @@
               <a:t>get</a:t>
             </a:r>
             <a:r>
-              <a:rPr lang="en-US" dirty="0"/>
+              <a:rPr lang="en-US"/>
               <a:t> car list by owner id</a:t>
             </a:r>
           </a:p>
           <a:p>
             <a:r>
-              <a:rPr lang="en-US" dirty="0">
+              <a:rPr lang="en-US">
                 <a:solidFill>
                   <a:srgbClr val="FFFF00"/>
                 </a:solidFill>
@@ -19739,7 +19768,7 @@
               <a:t>/owners/</a:t>
             </a:r>
             <a:r>
-              <a:rPr lang="en-US" dirty="0" err="1">
+              <a:rPr lang="en-US" err="1">
                 <a:solidFill>
                   <a:srgbClr val="FFFF00"/>
                 </a:solidFill>
@@ -19747,7 +19776,7 @@
               <a:t>api</a:t>
             </a:r>
             <a:r>
-              <a:rPr lang="en-US" dirty="0">
+              <a:rPr lang="en-US">
                 <a:solidFill>
                   <a:srgbClr val="FFFF00"/>
                 </a:solidFill>
@@ -19755,11 +19784,11 @@
               <a:t>/:id/billings</a:t>
             </a:r>
             <a:r>
-              <a:rPr lang="en-US" dirty="0"/>
+              <a:rPr lang="en-US"/>
               <a:t> </a:t>
             </a:r>
             <a:r>
-              <a:rPr lang="en-US" dirty="0">
+              <a:rPr lang="en-US">
                 <a:solidFill>
                   <a:srgbClr val="00B0F0"/>
                 </a:solidFill>
@@ -19767,7 +19796,7 @@
               <a:t>GET</a:t>
             </a:r>
             <a:r>
-              <a:rPr lang="en-US" dirty="0"/>
+              <a:rPr lang="en-US"/>
               <a:t> </a:t>
             </a:r>
             <a:r>
@@ -19775,12 +19804,12 @@
               <a:t>get</a:t>
             </a:r>
             <a:r>
-              <a:rPr lang="en-US" dirty="0"/>
+              <a:rPr lang="en-US"/>
               <a:t> billing list by owner id</a:t>
             </a:r>
           </a:p>
           <a:p>
-            <a:endParaRPr lang="en-US" dirty="0"/>
+            <a:endParaRPr lang="en-US"/>
           </a:p>
           <a:p>
             <a:r>
@@ -19849,7 +19878,6 @@
               <a:rPr lang="en-US"/>
               <a:t> Owner Register page</a:t>
             </a:r>
-            <a:endParaRPr lang="en-US" dirty="0"/>
           </a:p>
           <a:p>
             <a:r>
@@ -20089,13 +20117,13 @@
             <a:endParaRPr lang="en-US"/>
           </a:p>
           <a:p>
-            <a:endParaRPr lang="en-US" dirty="0"/>
-          </a:p>
-          <a:p>
             <a:endParaRPr lang="en-US"/>
           </a:p>
           <a:p>
-            <a:endParaRPr lang="en-US" dirty="0"/>
+            <a:endParaRPr lang="en-US"/>
+          </a:p>
+          <a:p>
+            <a:endParaRPr lang="en-US"/>
           </a:p>
           <a:p>
             <a:endParaRPr lang="en-US" b="0">
@@ -20104,10 +20132,10 @@
             </a:endParaRPr>
           </a:p>
           <a:p>
-            <a:endParaRPr lang="en-US" dirty="0"/>
-          </a:p>
-          <a:p>
-            <a:endParaRPr lang="en-US" dirty="0"/>
+            <a:endParaRPr lang="en-US"/>
+          </a:p>
+          <a:p>
+            <a:endParaRPr lang="en-US"/>
           </a:p>
           <a:p>
             <a:endParaRPr lang="en-US"/>
@@ -20174,7 +20202,7 @@
           <a:lstStyle/>
           <a:p>
             <a:r>
-              <a:rPr lang="en-US" dirty="0"/>
+              <a:rPr lang="en-US"/>
               <a:t>API listing</a:t>
             </a:r>
           </a:p>
@@ -20209,13 +20237,13 @@
           <a:lstStyle/>
           <a:p>
             <a:r>
-              <a:rPr lang="en-US" dirty="0"/>
+              <a:rPr lang="en-US"/>
               <a:t>Renter Router</a:t>
             </a:r>
           </a:p>
           <a:p>
             <a:r>
-              <a:rPr lang="en-US" dirty="0">
+              <a:rPr lang="en-US">
                 <a:solidFill>
                   <a:srgbClr val="FFFF00"/>
                 </a:solidFill>
@@ -20224,7 +20252,7 @@
               <a:t>/</a:t>
             </a:r>
             <a:r>
-              <a:rPr lang="en-US" dirty="0">
+              <a:rPr lang="en-US">
                 <a:solidFill>
                   <a:srgbClr val="FFFF00"/>
                 </a:solidFill>
@@ -20232,7 +20260,7 @@
               <a:t> rent</a:t>
             </a:r>
             <a:r>
-              <a:rPr lang="en-US" dirty="0">
+              <a:rPr lang="en-US">
                 <a:solidFill>
                   <a:srgbClr val="FFFF00"/>
                 </a:solidFill>
@@ -20241,7 +20269,7 @@
               <a:t>/</a:t>
             </a:r>
             <a:r>
-              <a:rPr lang="en-US" dirty="0" err="1">
+              <a:rPr lang="en-US" err="1">
                 <a:solidFill>
                   <a:srgbClr val="FFFF00"/>
                 </a:solidFill>
@@ -20250,7 +20278,7 @@
               <a:t>api</a:t>
             </a:r>
             <a:r>
-              <a:rPr lang="en-US" dirty="0">
+              <a:rPr lang="en-US">
                 <a:solidFill>
                   <a:srgbClr val="FFFF00"/>
                 </a:solidFill>
@@ -20259,7 +20287,7 @@
               <a:t> </a:t>
             </a:r>
             <a:r>
-              <a:rPr lang="en-US" dirty="0">
+              <a:rPr lang="en-US">
                 <a:solidFill>
                   <a:srgbClr val="00B0F0"/>
                 </a:solidFill>
@@ -20267,20 +20295,20 @@
               <a:t>POST </a:t>
             </a:r>
             <a:r>
-              <a:rPr lang="en-US" dirty="0">
+              <a:rPr lang="en-US">
                 <a:latin typeface="Century Gothic" panose="020B0502020202020204" pitchFamily="34" charset="0"/>
               </a:rPr>
               <a:t>a user credit card and information, save it and create a bill based on this renter information. And put the car as unavailable for others</a:t>
             </a:r>
           </a:p>
           <a:p>
-            <a:endParaRPr lang="en-US" dirty="0">
+            <a:endParaRPr lang="en-US">
               <a:latin typeface="Century Gothic" panose="020B0502020202020204" pitchFamily="34" charset="0"/>
             </a:endParaRPr>
           </a:p>
           <a:p>
             <a:r>
-              <a:rPr lang="en-US" dirty="0">
+              <a:rPr lang="en-US">
                 <a:solidFill>
                   <a:srgbClr val="FFFF00"/>
                 </a:solidFill>
@@ -20289,7 +20317,7 @@
               <a:t>/rent </a:t>
             </a:r>
             <a:r>
-              <a:rPr lang="en-US" dirty="0">
+              <a:rPr lang="en-US">
                 <a:solidFill>
                   <a:srgbClr val="00B0F0"/>
                 </a:solidFill>
@@ -20297,11 +20325,11 @@
               <a:t>GET </a:t>
             </a:r>
             <a:r>
-              <a:rPr lang="en-US" dirty="0"/>
+              <a:rPr lang="en-US"/>
               <a:t>get</a:t>
             </a:r>
             <a:r>
-              <a:rPr lang="en-US" dirty="0">
+              <a:rPr lang="en-US">
                 <a:latin typeface="Century Gothic" panose="020B0502020202020204" pitchFamily="34" charset="0"/>
               </a:rPr>
               <a:t> html file for rent page</a:t>
@@ -20309,7 +20337,7 @@
           </a:p>
           <a:p>
             <a:r>
-              <a:rPr lang="en-US" dirty="0">
+              <a:rPr lang="en-US">
                 <a:solidFill>
                   <a:srgbClr val="FFFF00"/>
                 </a:solidFill>
@@ -20318,7 +20346,7 @@
               <a:t>/rent/:</a:t>
             </a:r>
             <a:r>
-              <a:rPr lang="en-US" dirty="0" err="1">
+              <a:rPr lang="en-US" err="1">
                 <a:solidFill>
                   <a:srgbClr val="FFFF00"/>
                 </a:solidFill>
@@ -20327,7 +20355,7 @@
               <a:t>renterId</a:t>
             </a:r>
             <a:r>
-              <a:rPr lang="en-US" dirty="0">
+              <a:rPr lang="en-US">
                 <a:solidFill>
                   <a:srgbClr val="FFFF00"/>
                 </a:solidFill>
@@ -20336,7 +20364,7 @@
               <a:t>/billing/:</a:t>
             </a:r>
             <a:r>
-              <a:rPr lang="en-US" dirty="0" err="1">
+              <a:rPr lang="en-US" err="1">
                 <a:solidFill>
                   <a:srgbClr val="FFFF00"/>
                 </a:solidFill>
@@ -20345,7 +20373,7 @@
               <a:t>billId</a:t>
             </a:r>
             <a:r>
-              <a:rPr lang="en-US" dirty="0">
+              <a:rPr lang="en-US">
                 <a:solidFill>
                   <a:srgbClr val="FFFF00"/>
                 </a:solidFill>
@@ -20354,7 +20382,7 @@
               <a:t> </a:t>
             </a:r>
             <a:r>
-              <a:rPr lang="en-US" dirty="0">
+              <a:rPr lang="en-US">
                 <a:solidFill>
                   <a:srgbClr val="00B0F0"/>
                 </a:solidFill>
@@ -20362,10 +20390,10 @@
               <a:t>GET </a:t>
             </a:r>
             <a:r>
-              <a:rPr lang="en-US" dirty="0"/>
+              <a:rPr lang="en-US"/>
               <a:t>page for detail billing</a:t>
             </a:r>
-            <a:endParaRPr lang="en-US" dirty="0">
+            <a:endParaRPr lang="en-US">
               <a:latin typeface="Century Gothic" panose="020B0502020202020204" pitchFamily="34" charset="0"/>
             </a:endParaRPr>
           </a:p>
@@ -20780,7 +20808,7 @@
           <a:lstStyle/>
           <a:p>
             <a:r>
-              <a:rPr lang="en-US" dirty="0"/>
+              <a:rPr lang="en-US"/>
               <a:t>Dependencies</a:t>
             </a:r>
           </a:p>
@@ -20841,7 +20869,7 @@
               <a:rPr lang="en-GB"/>
               <a:t>is a middleware for handling multipart/form-data, which is primarily used for uploading files in forms</a:t>
             </a:r>
-            <a:endParaRPr lang="en-US" dirty="0"/>
+            <a:endParaRPr lang="en-US"/>
           </a:p>
         </p:txBody>
       </p:sp>
@@ -20986,13 +21014,13 @@
   <p:clrMapOvr>
     <a:masterClrMapping/>
   </p:clrMapOvr>
-  <mc:AlternateContent xmlns:mc="http://schemas.openxmlformats.org/markup-compatibility/2006">
-    <mc:Choice xmlns:p14="http://schemas.microsoft.com/office/powerpoint/2010/main" Requires="p14">
+  <mc:AlternateContent xmlns:mc="http://schemas.openxmlformats.org/markup-compatibility/2006" xmlns:p14="http://schemas.microsoft.com/office/powerpoint/2010/main">
+    <mc:Choice Requires="p14">
       <p:transition spd="med" p14:dur="700">
         <p:fade/>
       </p:transition>
     </mc:Choice>
-    <mc:Fallback>
+    <mc:Fallback xmlns="">
       <p:transition spd="med">
         <p:fade/>
       </p:transition>
@@ -21247,7 +21275,7 @@
               <a:buChar char="ü"/>
             </a:pPr>
             <a:r>
-              <a:rPr lang="en-US" dirty="0"/>
+              <a:rPr lang="en-US"/>
               <a:t>Some features need to access multiple data tables, or the data must go through some queries such as : get billings for the owner. Filter the cars to match user preferences</a:t>
             </a:r>
           </a:p>
@@ -21257,7 +21285,7 @@
               <a:buChar char="ü"/>
             </a:pPr>
             <a:r>
-              <a:rPr lang="en-US" dirty="0"/>
+              <a:rPr lang="en-US"/>
               <a:t>UI must be user-friendly and easy to use and operate.</a:t>
             </a:r>
           </a:p>
@@ -21270,7 +21298,7 @@
               <a:buChar char="ü"/>
             </a:pPr>
             <a:r>
-              <a:rPr lang="en-US" dirty="0"/>
+              <a:rPr lang="en-US"/>
               <a:t>Rent a car should be frictionless, as less steps as possible </a:t>
             </a:r>
           </a:p>
@@ -21500,10 +21528,9 @@
           <a:p>
             <a:pPr algn="ctr"/>
             <a:r>
-              <a:rPr lang="en-US" dirty="0"/>
+              <a:rPr lang="en-US"/>
               <a:t>About Project</a:t>
             </a:r>
-            <a:endParaRPr lang="en-US"/>
           </a:p>
         </p:txBody>
       </p:sp>
@@ -22092,7 +22119,7 @@
           <a:p>
             <a:pPr algn="ctr" defTabSz="457200"/>
             <a:r>
-              <a:rPr lang="en-US" sz="4000" dirty="0">
+              <a:rPr lang="en-US" sz="4000">
                 <a:effectLst>
                   <a:glow rad="38100">
                     <a:schemeClr val="bg1">
@@ -22801,7 +22828,7 @@
             <p:ph idx="1"/>
             <p:extLst>
               <p:ext uri="{D42A27DB-BD31-4B8C-83A1-F6EECF244321}">
-                <p14:modId xmlns:p14="http://schemas.microsoft.com/office/powerpoint/2010/main" val="4077331046"/>
+                <p14:modId xmlns:p14="http://schemas.microsoft.com/office/powerpoint/2010/main" val="1231281738"/>
               </p:ext>
             </p:extLst>
           </p:nvPr>
@@ -22947,95 +22974,95 @@
           <a:p>
             <a:pPr marL="0" marR="0" defTabSz="457200"/>
             <a:r>
-              <a:rPr lang="en-US" sz="1700" dirty="0"/>
+              <a:rPr lang="en-US" sz="1700"/>
               <a:t>commons: contains Helper, Extensions, Tools</a:t>
             </a:r>
           </a:p>
           <a:p>
             <a:pPr marL="0" marR="0" defTabSz="457200"/>
             <a:r>
-              <a:rPr lang="en-US" sz="1700" dirty="0"/>
+              <a:rPr lang="en-US" sz="1700"/>
               <a:t>controllers: contains Controllers</a:t>
             </a:r>
           </a:p>
           <a:p>
             <a:pPr marL="0" marR="0" defTabSz="457200"/>
             <a:r>
-              <a:rPr lang="en-US" sz="1700" dirty="0"/>
+              <a:rPr lang="en-US" sz="1700"/>
               <a:t>models: contains Models</a:t>
             </a:r>
           </a:p>
           <a:p>
             <a:pPr marL="0" marR="0" defTabSz="457200"/>
             <a:r>
-              <a:rPr lang="en-US" sz="1700" dirty="0"/>
+              <a:rPr lang="en-US" sz="1700"/>
               <a:t>public</a:t>
             </a:r>
           </a:p>
           <a:p>
             <a:pPr marL="0" marR="0" defTabSz="457200"/>
             <a:r>
-              <a:rPr lang="en-US" sz="1700" dirty="0"/>
+              <a:rPr lang="en-US" sz="1700"/>
               <a:t>	/</a:t>
             </a:r>
             <a:r>
-              <a:rPr lang="en-US" sz="1700" dirty="0" err="1"/>
+              <a:rPr lang="en-US" sz="1700" err="1"/>
               <a:t>img</a:t>
             </a:r>
             <a:r>
-              <a:rPr lang="en-US" sz="1700" dirty="0"/>
+              <a:rPr lang="en-US" sz="1700"/>
               <a:t>: contains images</a:t>
             </a:r>
           </a:p>
           <a:p>
             <a:pPr marL="0" marR="0" defTabSz="457200"/>
             <a:r>
-              <a:rPr lang="en-US" sz="1700" dirty="0"/>
+              <a:rPr lang="en-US" sz="1700"/>
               <a:t>	/</a:t>
             </a:r>
             <a:r>
-              <a:rPr lang="en-US" sz="1700" dirty="0" err="1"/>
+              <a:rPr lang="en-US" sz="1700" err="1"/>
               <a:t>view:contains</a:t>
             </a:r>
             <a:r>
-              <a:rPr lang="en-US" sz="1700" dirty="0"/>
+              <a:rPr lang="en-US" sz="1700"/>
               <a:t> file html, </a:t>
             </a:r>
             <a:r>
-              <a:rPr lang="en-US" sz="1700" dirty="0" err="1"/>
+              <a:rPr lang="en-US" sz="1700" err="1"/>
               <a:t>css</a:t>
             </a:r>
             <a:r>
-              <a:rPr lang="en-US" sz="1700" dirty="0"/>
+              <a:rPr lang="en-US" sz="1700"/>
               <a:t> and </a:t>
             </a:r>
             <a:r>
-              <a:rPr lang="en-US" sz="1700" dirty="0" err="1"/>
+              <a:rPr lang="en-US" sz="1700" err="1"/>
               <a:t>js</a:t>
             </a:r>
-            <a:endParaRPr lang="en-US" sz="1700" dirty="0"/>
+            <a:endParaRPr lang="en-US" sz="1700"/>
           </a:p>
           <a:p>
             <a:pPr marL="0" marR="0" defTabSz="457200"/>
             <a:r>
-              <a:rPr lang="en-US" sz="1700" dirty="0"/>
+              <a:rPr lang="en-US" sz="1700"/>
               <a:t>routers: contains Routers</a:t>
             </a:r>
           </a:p>
           <a:p>
             <a:pPr marL="0" marR="0" defTabSz="457200"/>
             <a:r>
-              <a:rPr lang="en-US" sz="1700" dirty="0" err="1"/>
+              <a:rPr lang="en-US" sz="1700" err="1"/>
               <a:t>app.js</a:t>
             </a:r>
             <a:r>
-              <a:rPr lang="en-US" sz="1700" dirty="0"/>
+              <a:rPr lang="en-US" sz="1700"/>
               <a:t>: start up &amp; config app</a:t>
             </a:r>
           </a:p>
           <a:p>
             <a:pPr defTabSz="457200"/>
-            <a:endParaRPr lang="en-US" sz="1700" dirty="0"/>
+            <a:endParaRPr lang="en-US" sz="1700"/>
           </a:p>
         </p:txBody>
       </p:sp>
@@ -23171,7 +23198,7 @@
           <a:lstStyle/>
           <a:p>
             <a:r>
-              <a:rPr lang="en-US" dirty="0"/>
+              <a:rPr lang="en-US"/>
               <a:t>API listing</a:t>
             </a:r>
           </a:p>
@@ -23206,14 +23233,14 @@
           <a:lstStyle/>
           <a:p>
             <a:r>
-              <a:rPr lang="en-US" dirty="0"/>
+              <a:rPr lang="en-US"/>
               <a:t>Car Router</a:t>
             </a:r>
             <a:br>
-              <a:rPr lang="en-US" dirty="0"/>
+              <a:rPr lang="en-US"/>
             </a:br>
             <a:r>
-              <a:rPr lang="en-US" dirty="0">
+              <a:rPr lang="en-US">
                 <a:solidFill>
                   <a:srgbClr val="FFFF00"/>
                 </a:solidFill>
@@ -23221,7 +23248,7 @@
               <a:t>/car/</a:t>
             </a:r>
             <a:r>
-              <a:rPr lang="en-US" dirty="0" err="1">
+              <a:rPr lang="en-US" err="1">
                 <a:solidFill>
                   <a:srgbClr val="FFFF00"/>
                 </a:solidFill>
@@ -23229,7 +23256,7 @@
               <a:t>api</a:t>
             </a:r>
             <a:r>
-              <a:rPr lang="en-US" dirty="0">
+              <a:rPr lang="en-US">
                 <a:solidFill>
                   <a:srgbClr val="FFFF00"/>
                 </a:solidFill>
@@ -23237,11 +23264,11 @@
               <a:t>/cities</a:t>
             </a:r>
             <a:r>
-              <a:rPr lang="en-US" dirty="0"/>
+              <a:rPr lang="en-US"/>
               <a:t> </a:t>
             </a:r>
             <a:r>
-              <a:rPr lang="en-US" dirty="0">
+              <a:rPr lang="en-US">
                 <a:solidFill>
                   <a:srgbClr val="00B0F0"/>
                 </a:solidFill>
@@ -23249,13 +23276,13 @@
               <a:t>GET </a:t>
             </a:r>
             <a:r>
-              <a:rPr lang="en-US" dirty="0"/>
+              <a:rPr lang="en-US"/>
               <a:t>all available cities </a:t>
             </a:r>
           </a:p>
           <a:p>
             <a:r>
-              <a:rPr lang="en-US" dirty="0">
+              <a:rPr lang="en-US">
                 <a:solidFill>
                   <a:srgbClr val="FFFF00"/>
                 </a:solidFill>
@@ -23263,7 +23290,7 @@
               <a:t>/</a:t>
             </a:r>
             <a:r>
-              <a:rPr lang="en-US" dirty="0">
+              <a:rPr lang="en-US">
                 <a:solidFill>
                   <a:srgbClr val="FFFF00"/>
                 </a:solidFill>
@@ -23272,7 +23299,7 @@
               <a:t>car/</a:t>
             </a:r>
             <a:r>
-              <a:rPr lang="en-US" dirty="0" err="1">
+              <a:rPr lang="en-US" err="1">
                 <a:solidFill>
                   <a:srgbClr val="FFFF00"/>
                 </a:solidFill>
@@ -23281,7 +23308,7 @@
               <a:t>api</a:t>
             </a:r>
             <a:r>
-              <a:rPr lang="en-US" dirty="0">
+              <a:rPr lang="en-US">
                 <a:solidFill>
                   <a:srgbClr val="FFFF00"/>
                 </a:solidFill>
@@ -23290,13 +23317,13 @@
               <a:t>/makes</a:t>
             </a:r>
             <a:r>
-              <a:rPr lang="en-US" dirty="0">
+              <a:rPr lang="en-US">
                 <a:latin typeface="Century Gothic" panose="020B0502020202020204" pitchFamily="34" charset="0"/>
               </a:rPr>
               <a:t> </a:t>
             </a:r>
             <a:r>
-              <a:rPr lang="en-US" dirty="0">
+              <a:rPr lang="en-US">
                 <a:solidFill>
                   <a:srgbClr val="00B0F0"/>
                 </a:solidFill>
@@ -23304,7 +23331,7 @@
               <a:t>GET</a:t>
             </a:r>
             <a:r>
-              <a:rPr lang="en-US" dirty="0">
+              <a:rPr lang="en-US">
                 <a:latin typeface="Century Gothic" panose="020B0502020202020204" pitchFamily="34" charset="0"/>
               </a:rPr>
               <a:t> all available makes based on city</a:t>
@@ -23312,7 +23339,7 @@
           </a:p>
           <a:p>
             <a:r>
-              <a:rPr lang="en-US" dirty="0">
+              <a:rPr lang="en-US">
                 <a:solidFill>
                   <a:srgbClr val="FFFF00"/>
                 </a:solidFill>
@@ -23321,7 +23348,7 @@
               <a:t>/car/</a:t>
             </a:r>
             <a:r>
-              <a:rPr lang="en-US" dirty="0" err="1">
+              <a:rPr lang="en-US" err="1">
                 <a:solidFill>
                   <a:srgbClr val="FFFF00"/>
                 </a:solidFill>
@@ -23330,7 +23357,7 @@
               <a:t>api</a:t>
             </a:r>
             <a:r>
-              <a:rPr lang="en-US" dirty="0">
+              <a:rPr lang="en-US">
                 <a:solidFill>
                   <a:srgbClr val="FFFF00"/>
                 </a:solidFill>
@@ -23339,13 +23366,13 @@
               <a:t>/models</a:t>
             </a:r>
             <a:r>
-              <a:rPr lang="en-US" dirty="0">
+              <a:rPr lang="en-US">
                 <a:latin typeface="Century Gothic" panose="020B0502020202020204" pitchFamily="34" charset="0"/>
               </a:rPr>
               <a:t> </a:t>
             </a:r>
             <a:r>
-              <a:rPr lang="en-US" dirty="0">
+              <a:rPr lang="en-US">
                 <a:solidFill>
                   <a:srgbClr val="00B0F0"/>
                 </a:solidFill>
@@ -23353,7 +23380,7 @@
               <a:t>GET </a:t>
             </a:r>
             <a:r>
-              <a:rPr lang="en-US" dirty="0">
+              <a:rPr lang="en-US">
                 <a:latin typeface="Century Gothic" panose="020B0502020202020204" pitchFamily="34" charset="0"/>
               </a:rPr>
               <a:t>all models based on user </a:t>
@@ -23365,7 +23392,7 @@
               <a:t>user</a:t>
             </a:r>
             <a:r>
-              <a:rPr lang="en-US" dirty="0">
+              <a:rPr lang="en-US">
                 <a:latin typeface="Century Gothic" panose="020B0502020202020204" pitchFamily="34" charset="0"/>
               </a:rPr>
               <a:t> preference of city and make</a:t>
@@ -23373,7 +23400,7 @@
           </a:p>
           <a:p>
             <a:r>
-              <a:rPr lang="en-US" dirty="0">
+              <a:rPr lang="en-US">
                 <a:solidFill>
                   <a:srgbClr val="FFFF00"/>
                 </a:solidFill>
@@ -23382,7 +23409,7 @@
               <a:t>/car/</a:t>
             </a:r>
             <a:r>
-              <a:rPr lang="en-US" dirty="0" err="1">
+              <a:rPr lang="en-US" err="1">
                 <a:solidFill>
                   <a:srgbClr val="FFFF00"/>
                 </a:solidFill>
@@ -23391,7 +23418,7 @@
               <a:t>api</a:t>
             </a:r>
             <a:r>
-              <a:rPr lang="en-US" dirty="0">
+              <a:rPr lang="en-US">
                 <a:solidFill>
                   <a:srgbClr val="FFFF00"/>
                 </a:solidFill>
@@ -23400,13 +23427,13 @@
               <a:t>/years</a:t>
             </a:r>
             <a:r>
-              <a:rPr lang="en-US" dirty="0">
+              <a:rPr lang="en-US">
                 <a:latin typeface="Century Gothic" panose="020B0502020202020204" pitchFamily="34" charset="0"/>
               </a:rPr>
               <a:t> </a:t>
             </a:r>
             <a:r>
-              <a:rPr lang="en-US" dirty="0">
+              <a:rPr lang="en-US">
                 <a:solidFill>
                   <a:srgbClr val="00B0F0"/>
                 </a:solidFill>
@@ -23414,20 +23441,20 @@
               <a:t>GET </a:t>
             </a:r>
             <a:r>
-              <a:rPr lang="en-US" dirty="0">
+              <a:rPr lang="en-US">
                 <a:latin typeface="Century Gothic" panose="020B0502020202020204" pitchFamily="34" charset="0"/>
               </a:rPr>
               <a:t>all  model years based on preference of city, make, model</a:t>
             </a:r>
           </a:p>
           <a:p>
-            <a:endParaRPr lang="en-US" dirty="0">
+            <a:endParaRPr lang="en-US">
               <a:latin typeface="Century Gothic" panose="020B0502020202020204" pitchFamily="34" charset="0"/>
             </a:endParaRPr>
           </a:p>
           <a:p>
             <a:r>
-              <a:rPr lang="en-US" dirty="0">
+              <a:rPr lang="en-US">
                 <a:solidFill>
                   <a:srgbClr val="FFFF00"/>
                 </a:solidFill>
@@ -23436,7 +23463,7 @@
               <a:t>/car/</a:t>
             </a:r>
             <a:r>
-              <a:rPr lang="en-US" dirty="0" err="1">
+              <a:rPr lang="en-US" err="1">
                 <a:solidFill>
                   <a:srgbClr val="FFFF00"/>
                 </a:solidFill>
@@ -23445,13 +23472,13 @@
               <a:t>api</a:t>
             </a:r>
             <a:r>
-              <a:rPr lang="en-US" dirty="0">
+              <a:rPr lang="en-US">
                 <a:latin typeface="Century Gothic" panose="020B0502020202020204" pitchFamily="34" charset="0"/>
               </a:rPr>
               <a:t> </a:t>
             </a:r>
             <a:r>
-              <a:rPr lang="en-US" dirty="0">
+              <a:rPr lang="en-US">
                 <a:solidFill>
                   <a:srgbClr val="00B0F0"/>
                 </a:solidFill>
@@ -23459,7 +23486,7 @@
               <a:t>GET </a:t>
             </a:r>
             <a:r>
-              <a:rPr lang="en-US" dirty="0">
+              <a:rPr lang="en-US">
                 <a:latin typeface="Century Gothic" panose="020B0502020202020204" pitchFamily="34" charset="0"/>
               </a:rPr>
               <a:t>available cars based on city, make, model, year</a:t>
@@ -23467,7 +23494,7 @@
           </a:p>
           <a:p>
             <a:r>
-              <a:rPr lang="en-US" dirty="0">
+              <a:rPr lang="en-US">
                 <a:solidFill>
                   <a:srgbClr val="FFFF00"/>
                 </a:solidFill>
@@ -23476,7 +23503,7 @@
               <a:t>/car/</a:t>
             </a:r>
             <a:r>
-              <a:rPr lang="en-US" dirty="0" err="1">
+              <a:rPr lang="en-US" err="1">
                 <a:solidFill>
                   <a:srgbClr val="FFFF00"/>
                 </a:solidFill>
@@ -23485,13 +23512,13 @@
               <a:t>api</a:t>
             </a:r>
             <a:r>
-              <a:rPr lang="en-US" dirty="0">
+              <a:rPr lang="en-US">
                 <a:latin typeface="Century Gothic" panose="020B0502020202020204" pitchFamily="34" charset="0"/>
               </a:rPr>
               <a:t> </a:t>
             </a:r>
             <a:r>
-              <a:rPr lang="en-US" dirty="0">
+              <a:rPr lang="en-US">
                 <a:solidFill>
                   <a:srgbClr val="00B050"/>
                 </a:solidFill>
@@ -23500,7 +23527,7 @@
               <a:t>POST</a:t>
             </a:r>
             <a:r>
-              <a:rPr lang="en-US" dirty="0">
+              <a:rPr lang="en-US">
                 <a:latin typeface="Century Gothic" panose="020B0502020202020204" pitchFamily="34" charset="0"/>
               </a:rPr>
               <a:t> create new car</a:t>
@@ -23508,7 +23535,7 @@
           </a:p>
           <a:p>
             <a:r>
-              <a:rPr lang="en-US" dirty="0">
+              <a:rPr lang="en-US">
                 <a:solidFill>
                   <a:srgbClr val="FFFF00"/>
                 </a:solidFill>
@@ -23517,7 +23544,7 @@
               <a:t>/car/</a:t>
             </a:r>
             <a:r>
-              <a:rPr lang="en-US" dirty="0" err="1">
+              <a:rPr lang="en-US" err="1">
                 <a:solidFill>
                   <a:srgbClr val="FFFF00"/>
                 </a:solidFill>
@@ -23526,7 +23553,7 @@
               <a:t>api</a:t>
             </a:r>
             <a:r>
-              <a:rPr lang="en-US" dirty="0">
+              <a:rPr lang="en-US">
                 <a:solidFill>
                   <a:srgbClr val="FFFF00"/>
                 </a:solidFill>
@@ -23535,7 +23562,7 @@
               <a:t>/:id </a:t>
             </a:r>
             <a:r>
-              <a:rPr lang="en-US" dirty="0">
+              <a:rPr lang="en-US">
                 <a:solidFill>
                   <a:srgbClr val="00B0F0"/>
                 </a:solidFill>
@@ -23543,7 +23570,7 @@
               <a:t>GET </a:t>
             </a:r>
             <a:r>
-              <a:rPr lang="en-US" dirty="0">
+              <a:rPr lang="en-US">
                 <a:latin typeface="Century Gothic" panose="020B0502020202020204" pitchFamily="34" charset="0"/>
               </a:rPr>
               <a:t>a car based on id</a:t>
@@ -23551,7 +23578,7 @@
           </a:p>
           <a:p>
             <a:r>
-              <a:rPr lang="en-US" dirty="0">
+              <a:rPr lang="en-US">
                 <a:solidFill>
                   <a:srgbClr val="FFFF00"/>
                 </a:solidFill>
@@ -23560,7 +23587,7 @@
               <a:t>/car/</a:t>
             </a:r>
             <a:r>
-              <a:rPr lang="en-US" dirty="0" err="1">
+              <a:rPr lang="en-US" err="1">
                 <a:solidFill>
                   <a:srgbClr val="FFFF00"/>
                 </a:solidFill>
@@ -23569,7 +23596,7 @@
               <a:t>api</a:t>
             </a:r>
             <a:r>
-              <a:rPr lang="en-US" dirty="0">
+              <a:rPr lang="en-US">
                 <a:solidFill>
                   <a:srgbClr val="FFFF00"/>
                 </a:solidFill>
@@ -23578,7 +23605,7 @@
               <a:t>/:id </a:t>
             </a:r>
             <a:r>
-              <a:rPr lang="en-US" dirty="0">
+              <a:rPr lang="en-US">
                 <a:solidFill>
                   <a:schemeClr val="accent5"/>
                 </a:solidFill>
@@ -23587,7 +23614,7 @@
               <a:t>PUT</a:t>
             </a:r>
             <a:r>
-              <a:rPr lang="en-US" dirty="0">
+              <a:rPr lang="en-US">
                 <a:latin typeface="Century Gothic" panose="020B0502020202020204" pitchFamily="34" charset="0"/>
               </a:rPr>
               <a:t> update the car information</a:t>
@@ -23595,7 +23622,7 @@
           </a:p>
           <a:p>
             <a:r>
-              <a:rPr lang="en-US" dirty="0">
+              <a:rPr lang="en-US">
                 <a:solidFill>
                   <a:srgbClr val="FFFF00"/>
                 </a:solidFill>
@@ -23604,7 +23631,7 @@
               <a:t>/car/</a:t>
             </a:r>
             <a:r>
-              <a:rPr lang="en-US" dirty="0" err="1">
+              <a:rPr lang="en-US" err="1">
                 <a:solidFill>
                   <a:srgbClr val="FFFF00"/>
                 </a:solidFill>
@@ -23613,7 +23640,7 @@
               <a:t>api</a:t>
             </a:r>
             <a:r>
-              <a:rPr lang="en-US" dirty="0">
+              <a:rPr lang="en-US">
                 <a:solidFill>
                   <a:srgbClr val="FFFF00"/>
                 </a:solidFill>
@@ -23622,7 +23649,7 @@
               <a:t>/:id </a:t>
             </a:r>
             <a:r>
-              <a:rPr lang="en-US" dirty="0">
+              <a:rPr lang="en-US">
                 <a:solidFill>
                   <a:srgbClr val="FF0000"/>
                 </a:solidFill>
@@ -23631,7 +23658,7 @@
               <a:t>DELETE </a:t>
             </a:r>
             <a:r>
-              <a:rPr lang="en-US" dirty="0">
+              <a:rPr lang="en-US">
                 <a:latin typeface="Century Gothic" panose="020B0502020202020204" pitchFamily="34" charset="0"/>
               </a:rPr>
               <a:t>car by id</a:t>
@@ -23639,7 +23666,7 @@
           </a:p>
           <a:p>
             <a:r>
-              <a:rPr lang="en-US" dirty="0">
+              <a:rPr lang="en-US">
                 <a:solidFill>
                   <a:srgbClr val="FFFF00"/>
                 </a:solidFill>
@@ -23648,7 +23675,7 @@
               <a:t>/car/</a:t>
             </a:r>
             <a:r>
-              <a:rPr lang="en-US" b="0" dirty="0" err="1">
+              <a:rPr lang="en-US" b="0" err="1">
                 <a:solidFill>
                   <a:srgbClr val="FFFF00"/>
                 </a:solidFill>
@@ -23658,7 +23685,7 @@
               <a:t>api</a:t>
             </a:r>
             <a:r>
-              <a:rPr lang="en-US" dirty="0">
+              <a:rPr lang="en-US">
                 <a:solidFill>
                   <a:srgbClr val="FFFF00"/>
                 </a:solidFill>
@@ -23667,7 +23694,7 @@
               <a:t>/</a:t>
             </a:r>
             <a:r>
-              <a:rPr lang="en-US" b="0" dirty="0">
+              <a:rPr lang="en-US" b="0">
                 <a:solidFill>
                   <a:srgbClr val="FFFF00"/>
                 </a:solidFill>
@@ -23677,7 +23704,7 @@
               <a:t>:id/images</a:t>
             </a:r>
             <a:r>
-              <a:rPr lang="en-US" dirty="0">
+              <a:rPr lang="en-US">
                 <a:solidFill>
                   <a:srgbClr val="FFFF00"/>
                 </a:solidFill>
@@ -23686,7 +23713,7 @@
               <a:t> </a:t>
             </a:r>
             <a:r>
-              <a:rPr lang="en-US" dirty="0">
+              <a:rPr lang="en-US">
                 <a:solidFill>
                   <a:srgbClr val="00B050"/>
                 </a:solidFill>
@@ -23695,7 +23722,7 @@
               <a:t>POST</a:t>
             </a:r>
             <a:r>
-              <a:rPr lang="en-US" dirty="0">
+              <a:rPr lang="en-US">
                 <a:latin typeface="Century Gothic" panose="020B0502020202020204" pitchFamily="34" charset="0"/>
               </a:rPr>
               <a:t> new image to car</a:t>
@@ -23703,7 +23730,7 @@
           </a:p>
           <a:p>
             <a:r>
-              <a:rPr lang="en-US" b="0" dirty="0">
+              <a:rPr lang="en-US" b="0">
                 <a:solidFill>
                   <a:srgbClr val="FFFF00"/>
                 </a:solidFill>
@@ -23713,7 +23740,7 @@
               <a:t>/car/</a:t>
             </a:r>
             <a:r>
-              <a:rPr lang="en-US" b="0" dirty="0" err="1">
+              <a:rPr lang="en-US" b="0" err="1">
                 <a:solidFill>
                   <a:srgbClr val="FFFF00"/>
                 </a:solidFill>
@@ -23723,7 +23750,7 @@
               <a:t>api</a:t>
             </a:r>
             <a:r>
-              <a:rPr lang="en-US" b="0" dirty="0">
+              <a:rPr lang="en-US" b="0">
                 <a:solidFill>
                   <a:srgbClr val="FFFF00"/>
                 </a:solidFill>
@@ -23733,14 +23760,14 @@
               <a:t>/:id/images</a:t>
             </a:r>
             <a:r>
-              <a:rPr lang="en-US" b="0" dirty="0">
+              <a:rPr lang="en-US" b="0">
                 <a:effectLst/>
                 <a:latin typeface="Century Gothic" panose="020B0502020202020204" pitchFamily="34" charset="0"/>
               </a:rPr>
               <a:t>: </a:t>
             </a:r>
             <a:r>
-              <a:rPr lang="en-US" dirty="0">
+              <a:rPr lang="en-US">
                 <a:solidFill>
                   <a:srgbClr val="FF0000"/>
                 </a:solidFill>
@@ -23749,13 +23776,13 @@
               <a:t>DELETE </a:t>
             </a:r>
             <a:r>
-              <a:rPr lang="en-US" dirty="0">
+              <a:rPr lang="en-US">
                 <a:latin typeface="Century Gothic" panose="020B0502020202020204" pitchFamily="34" charset="0"/>
               </a:rPr>
               <a:t>remove </a:t>
             </a:r>
             <a:r>
-              <a:rPr lang="en-US" b="0" dirty="0">
+              <a:rPr lang="en-US" b="0">
                 <a:effectLst/>
                 <a:latin typeface="Century Gothic" panose="020B0502020202020204" pitchFamily="34" charset="0"/>
               </a:rPr>
@@ -23763,13 +23790,13 @@
             </a:r>
           </a:p>
           <a:p>
-            <a:endParaRPr lang="en-US" dirty="0">
+            <a:endParaRPr lang="en-US">
               <a:latin typeface="Century Gothic" panose="020B0502020202020204" pitchFamily="34" charset="0"/>
             </a:endParaRPr>
           </a:p>
           <a:p>
             <a:r>
-              <a:rPr lang="en-US" dirty="0">
+              <a:rPr lang="en-US">
                 <a:solidFill>
                   <a:srgbClr val="FFFF00"/>
                 </a:solidFill>
@@ -23778,7 +23805,7 @@
               <a:t>/car/</a:t>
             </a:r>
             <a:r>
-              <a:rPr lang="en-US" dirty="0" err="1">
+              <a:rPr lang="en-US" err="1">
                 <a:solidFill>
                   <a:srgbClr val="FFFF00"/>
                 </a:solidFill>
@@ -23787,7 +23814,7 @@
               <a:t>api</a:t>
             </a:r>
             <a:r>
-              <a:rPr lang="en-US" dirty="0">
+              <a:rPr lang="en-US">
                 <a:solidFill>
                   <a:srgbClr val="FFFF00"/>
                 </a:solidFill>
@@ -23796,13 +23823,13 @@
               <a:t>/today-pick/:limit</a:t>
             </a:r>
             <a:r>
-              <a:rPr lang="en-US" dirty="0">
+              <a:rPr lang="en-US">
                 <a:latin typeface="Century Gothic" panose="020B0502020202020204" pitchFamily="34" charset="0"/>
               </a:rPr>
               <a:t> </a:t>
             </a:r>
             <a:r>
-              <a:rPr lang="en-US" dirty="0">
+              <a:rPr lang="en-US">
                 <a:solidFill>
                   <a:srgbClr val="00B0F0"/>
                 </a:solidFill>
@@ -23814,7 +23841,7 @@
               <a:t>get</a:t>
             </a:r>
             <a:r>
-              <a:rPr lang="en-US" dirty="0">
+              <a:rPr lang="en-US">
                 <a:latin typeface="Century Gothic" panose="020B0502020202020204" pitchFamily="34" charset="0"/>
               </a:rPr>
               <a:t> top pick today for home page</a:t>
@@ -23822,7 +23849,7 @@
           </a:p>
           <a:p>
             <a:r>
-              <a:rPr lang="en-US" dirty="0">
+              <a:rPr lang="en-US">
                 <a:solidFill>
                   <a:srgbClr val="FFFF00"/>
                 </a:solidFill>
@@ -23831,7 +23858,7 @@
               <a:t>/car/</a:t>
             </a:r>
             <a:r>
-              <a:rPr lang="en-US" dirty="0" err="1">
+              <a:rPr lang="en-US" err="1">
                 <a:solidFill>
                   <a:srgbClr val="FFFF00"/>
                 </a:solidFill>
@@ -23840,7 +23867,7 @@
               <a:t>api</a:t>
             </a:r>
             <a:r>
-              <a:rPr lang="en-US" dirty="0">
+              <a:rPr lang="en-US">
                 <a:solidFill>
                   <a:srgbClr val="FFFF00"/>
                 </a:solidFill>
@@ -23849,13 +23876,13 @@
               <a:t>/affordable/:limit</a:t>
             </a:r>
             <a:r>
-              <a:rPr lang="en-US" dirty="0">
+              <a:rPr lang="en-US">
                 <a:latin typeface="Century Gothic" panose="020B0502020202020204" pitchFamily="34" charset="0"/>
               </a:rPr>
               <a:t> </a:t>
             </a:r>
             <a:r>
-              <a:rPr lang="en-US" dirty="0">
+              <a:rPr lang="en-US">
                 <a:solidFill>
                   <a:srgbClr val="00B0F0"/>
                 </a:solidFill>
@@ -23867,7 +23894,7 @@
               <a:t>get</a:t>
             </a:r>
             <a:r>
-              <a:rPr lang="en-US" dirty="0">
+              <a:rPr lang="en-US">
                 <a:latin typeface="Century Gothic" panose="020B0502020202020204" pitchFamily="34" charset="0"/>
               </a:rPr>
               <a:t> cheapest cars on the site</a:t>
@@ -23875,7 +23902,7 @@
           </a:p>
           <a:p>
             <a:r>
-              <a:rPr lang="en-US" dirty="0">
+              <a:rPr lang="en-US">
                 <a:solidFill>
                   <a:srgbClr val="FFFF00"/>
                 </a:solidFill>
@@ -23884,7 +23911,7 @@
               <a:t>/car/</a:t>
             </a:r>
             <a:r>
-              <a:rPr lang="en-US" dirty="0" err="1">
+              <a:rPr lang="en-US" err="1">
                 <a:solidFill>
                   <a:srgbClr val="FFFF00"/>
                 </a:solidFill>
@@ -23893,7 +23920,7 @@
               <a:t>api</a:t>
             </a:r>
             <a:r>
-              <a:rPr lang="en-US" dirty="0">
+              <a:rPr lang="en-US">
                 <a:solidFill>
                   <a:srgbClr val="FFFF00"/>
                 </a:solidFill>
@@ -23902,7 +23929,7 @@
               <a:t>/hot-pick/:limit </a:t>
             </a:r>
             <a:r>
-              <a:rPr lang="en-US" dirty="0">
+              <a:rPr lang="en-US">
                 <a:solidFill>
                   <a:srgbClr val="00B0F0"/>
                 </a:solidFill>
@@ -23914,20 +23941,20 @@
               <a:t>get</a:t>
             </a:r>
             <a:r>
-              <a:rPr lang="en-US" dirty="0">
+              <a:rPr lang="en-US">
                 <a:latin typeface="Century Gothic" panose="020B0502020202020204" pitchFamily="34" charset="0"/>
               </a:rPr>
               <a:t> most booked cars on the site</a:t>
             </a:r>
           </a:p>
           <a:p>
-            <a:endParaRPr lang="en-US" dirty="0">
+            <a:endParaRPr lang="en-US">
               <a:latin typeface="Century Gothic" panose="020B0502020202020204" pitchFamily="34" charset="0"/>
             </a:endParaRPr>
           </a:p>
           <a:p>
             <a:r>
-              <a:rPr lang="en-US" dirty="0">
+              <a:rPr lang="en-US">
                 <a:solidFill>
                   <a:srgbClr val="FFFF00"/>
                 </a:solidFill>
@@ -23936,7 +23963,7 @@
               <a:t>/car/: id </a:t>
             </a:r>
             <a:r>
-              <a:rPr lang="en-US" dirty="0">
+              <a:rPr lang="en-US">
                 <a:solidFill>
                   <a:srgbClr val="00B0F0"/>
                 </a:solidFill>
@@ -23948,14 +23975,14 @@
               <a:t>get</a:t>
             </a:r>
             <a:r>
-              <a:rPr lang="en-US" dirty="0">
+              <a:rPr lang="en-US">
                 <a:latin typeface="Century Gothic" panose="020B0502020202020204" pitchFamily="34" charset="0"/>
               </a:rPr>
               <a:t> html file</a:t>
             </a:r>
           </a:p>
           <a:p>
-            <a:endParaRPr lang="en-US" dirty="0"/>
+            <a:endParaRPr lang="en-US"/>
           </a:p>
         </p:txBody>
       </p:sp>
